--- a/SubAtomic Presentation DS3_Sprint 5.pptx
+++ b/SubAtomic Presentation DS3_Sprint 5.pptx
@@ -12455,7 +12455,13 @@
           <a:lstStyle/>
           <a:p>
             <a:r>
-              <a:rPr lang="en-US" dirty="0"/>
+              <a:rPr lang="en-US" dirty="0">
+                <a:solidFill>
+                  <a:schemeClr val="bg2">
+                    <a:lumMod val="75000"/>
+                  </a:schemeClr>
+                </a:solidFill>
+              </a:rPr>
               <a:t>Quantum Computing- Harnessing Superposition and Entanglement</a:t>
             </a:r>
           </a:p>
@@ -12477,7 +12483,12 @@
             <p:ph idx="1"/>
           </p:nvPr>
         </p:nvSpPr>
-        <p:spPr/>
+        <p:spPr>
+          <a:xfrm>
+            <a:off x="1141413" y="1850902"/>
+            <a:ext cx="9905999" cy="3541714"/>
+          </a:xfrm>
+        </p:spPr>
         <p:txBody>
           <a:bodyPr>
             <a:normAutofit fontScale="85000" lnSpcReduction="20000"/>
@@ -12485,38 +12496,78 @@
           <a:lstStyle/>
           <a:p>
             <a:r>
-              <a:rPr lang="en-US" dirty="0"/>
+              <a:rPr lang="en-US" b="1" dirty="0">
+                <a:solidFill>
+                  <a:schemeClr val="bg2">
+                    <a:lumMod val="75000"/>
+                  </a:schemeClr>
+                </a:solidFill>
+              </a:rPr>
               <a:t> Quantum Computers can do calculations in seconds, that would take binary computers upwards of 30,000 years. </a:t>
             </a:r>
           </a:p>
           <a:p>
             <a:r>
-              <a:rPr lang="en-US" dirty="0"/>
+              <a:rPr lang="en-US" b="1" dirty="0">
+                <a:solidFill>
+                  <a:schemeClr val="bg2">
+                    <a:lumMod val="75000"/>
+                  </a:schemeClr>
+                </a:solidFill>
+              </a:rPr>
               <a:t> Bits are 0,1</a:t>
             </a:r>
           </a:p>
           <a:p>
             <a:r>
-              <a:rPr lang="en-US" dirty="0"/>
+              <a:rPr lang="en-US" b="1" dirty="0">
+                <a:solidFill>
+                  <a:schemeClr val="bg2">
+                    <a:lumMod val="75000"/>
+                  </a:schemeClr>
+                </a:solidFill>
+              </a:rPr>
               <a:t> Quantum Bits are 0,1,or both 0 and 1 simultaneously </a:t>
             </a:r>
           </a:p>
           <a:p>
             <a:r>
-              <a:rPr lang="en-US" dirty="0"/>
+              <a:rPr lang="en-US" b="1" dirty="0">
+                <a:solidFill>
+                  <a:schemeClr val="bg2">
+                    <a:lumMod val="75000"/>
+                  </a:schemeClr>
+                </a:solidFill>
+              </a:rPr>
               <a:t> Quantum Computers are extremely Delicate because the particles quickly decohere when observed or are disturbed. </a:t>
             </a:r>
           </a:p>
           <a:p>
             <a:r>
-              <a:rPr lang="en-US" dirty="0"/>
+              <a:rPr lang="en-US" b="1" dirty="0">
+                <a:solidFill>
+                  <a:schemeClr val="bg2">
+                    <a:lumMod val="75000"/>
+                  </a:schemeClr>
+                </a:solidFill>
+              </a:rPr>
               <a:t> Understanding how entanglement works and how to manipulate entanglement will allow us to control quantum states is a more effective manner. </a:t>
             </a:r>
           </a:p>
           <a:p>
             <a:r>
-              <a:rPr lang="en-US" dirty="0"/>
-              <a:t> Please feel free to read my code and my blog post</a:t>
+              <a:rPr lang="en-US" b="1" dirty="0">
+                <a:solidFill>
+                  <a:schemeClr val="bg2">
+                    <a:lumMod val="75000"/>
+                  </a:schemeClr>
+                </a:solidFill>
+              </a:rPr>
+              <a:t> </a:t>
+            </a:r>
+            <a:r>
+              <a:rPr lang="en-US" b="1" dirty="0"/>
+              <a:t>Please feel free to read my code and my blog post</a:t>
             </a:r>
           </a:p>
         </p:txBody>
@@ -12574,14 +12625,21 @@
           </a:xfrm>
         </p:spPr>
         <p:txBody>
-          <a:bodyPr/>
+          <a:bodyPr>
+            <a:normAutofit fontScale="90000"/>
+          </a:bodyPr>
           <a:lstStyle/>
           <a:p>
             <a:r>
-              <a:rPr lang="en-US"/>
-              <a:t>Visualizations that lend credibility to nature entanglement of subatomic particles</a:t>
+              <a:rPr lang="en-US" b="1" dirty="0">
+                <a:solidFill>
+                  <a:schemeClr val="bg2">
+                    <a:lumMod val="75000"/>
+                  </a:schemeClr>
+                </a:solidFill>
+              </a:rPr>
+              <a:t>Visualizations that lend credibility to naturAL entanglement of subatomic particles</a:t>
             </a:r>
-            <a:endParaRPr lang="en-US" dirty="0"/>
           </a:p>
         </p:txBody>
       </p:sp>
@@ -12613,7 +12671,7 @@
         </p:blipFill>
         <p:spPr>
           <a:xfrm>
-            <a:off x="4216515" y="1694387"/>
+            <a:off x="4371393" y="1478570"/>
             <a:ext cx="6824827" cy="2291881"/>
           </a:xfrm>
           <a:prstGeom prst="rect">
@@ -12685,7 +12743,7 @@
         </p:blipFill>
         <p:spPr>
           <a:xfrm>
-            <a:off x="1490154" y="4165667"/>
+            <a:off x="1501877" y="3829558"/>
             <a:ext cx="3470073" cy="2494939"/>
           </a:xfrm>
           <a:prstGeom prst="rect">
@@ -12695,7 +12753,7 @@
       </p:pic>
       <p:pic>
         <p:nvPicPr>
-          <p:cNvPr id="11" name="Picture 10" descr="A screenshot of a computer&#10;&#10;Description automatically generated">
+          <p:cNvPr id="11" name="Picture 10">
             <a:extLst>
               <a:ext uri="{FF2B5EF4-FFF2-40B4-BE49-F238E27FC236}">
                 <a16:creationId xmlns:a16="http://schemas.microsoft.com/office/drawing/2014/main" id="{978406B1-3B8C-4B39-8D26-E5C4A9D2B2F7}"/>
@@ -12721,14 +12779,151 @@
         </p:blipFill>
         <p:spPr>
           <a:xfrm>
-            <a:off x="7801290" y="4322364"/>
-            <a:ext cx="1858325" cy="1911725"/>
+            <a:off x="7534657" y="4061077"/>
+            <a:ext cx="2628582" cy="2704118"/>
           </a:xfrm>
           <a:prstGeom prst="rect">
             <a:avLst/>
           </a:prstGeom>
         </p:spPr>
       </p:pic>
+      <p:sp>
+        <p:nvSpPr>
+          <p:cNvPr id="12" name="TextBox 11">
+            <a:extLst>
+              <a:ext uri="{FF2B5EF4-FFF2-40B4-BE49-F238E27FC236}">
+                <a16:creationId xmlns:a16="http://schemas.microsoft.com/office/drawing/2014/main" id="{CF0DBE84-8873-48F3-9730-D1E7361213F8}"/>
+              </a:ext>
+            </a:extLst>
+          </p:cNvPr>
+          <p:cNvSpPr txBox="1"/>
+          <p:nvPr/>
+        </p:nvSpPr>
+        <p:spPr>
+          <a:xfrm>
+            <a:off x="1333323" y="3158358"/>
+            <a:ext cx="2360142" cy="276999"/>
+          </a:xfrm>
+          <a:prstGeom prst="rect">
+            <a:avLst/>
+          </a:prstGeom>
+          <a:noFill/>
+        </p:spPr>
+        <p:txBody>
+          <a:bodyPr wrap="square" rtlCol="0">
+            <a:spAutoFit/>
+          </a:bodyPr>
+          <a:lstStyle/>
+          <a:p>
+            <a:r>
+              <a:rPr lang="en-US" sz="1200" dirty="0">
+                <a:solidFill>
+                  <a:schemeClr val="bg2">
+                    <a:lumMod val="75000"/>
+                  </a:schemeClr>
+                </a:solidFill>
+              </a:rPr>
+              <a:t>Density of </a:t>
+            </a:r>
+            <a:r>
+              <a:rPr lang="en-US" sz="1200" dirty="0" err="1">
+                <a:solidFill>
+                  <a:schemeClr val="bg2">
+                    <a:lumMod val="75000"/>
+                  </a:schemeClr>
+                </a:solidFill>
+              </a:rPr>
+              <a:t>Entanglment</a:t>
+            </a:r>
+            <a:r>
+              <a:rPr lang="en-US" sz="1200" dirty="0">
+                <a:solidFill>
+                  <a:schemeClr val="bg2">
+                    <a:lumMod val="75000"/>
+                  </a:schemeClr>
+                </a:solidFill>
+              </a:rPr>
+              <a:t> (All Runs)</a:t>
+            </a:r>
+          </a:p>
+        </p:txBody>
+      </p:sp>
+      <p:sp>
+        <p:nvSpPr>
+          <p:cNvPr id="73" name="TextBox 72">
+            <a:extLst>
+              <a:ext uri="{FF2B5EF4-FFF2-40B4-BE49-F238E27FC236}">
+                <a16:creationId xmlns:a16="http://schemas.microsoft.com/office/drawing/2014/main" id="{97760C01-48D4-41D3-A9CC-B2C81220BF82}"/>
+              </a:ext>
+            </a:extLst>
+          </p:cNvPr>
+          <p:cNvSpPr txBox="1"/>
+          <p:nvPr/>
+        </p:nvSpPr>
+        <p:spPr>
+          <a:xfrm>
+            <a:off x="6365477" y="3691059"/>
+            <a:ext cx="3138142" cy="276999"/>
+          </a:xfrm>
+          <a:prstGeom prst="rect">
+            <a:avLst/>
+          </a:prstGeom>
+          <a:noFill/>
+        </p:spPr>
+        <p:txBody>
+          <a:bodyPr wrap="square" rtlCol="0">
+            <a:spAutoFit/>
+          </a:bodyPr>
+          <a:lstStyle/>
+          <a:p>
+            <a:r>
+              <a:rPr lang="en-US" sz="1200" dirty="0">
+                <a:solidFill>
+                  <a:schemeClr val="bg2">
+                    <a:lumMod val="75000"/>
+                  </a:schemeClr>
+                </a:solidFill>
+              </a:rPr>
+              <a:t>Particle Angular Momentum x Sample Runs</a:t>
+            </a:r>
+          </a:p>
+        </p:txBody>
+      </p:sp>
+      <p:sp>
+        <p:nvSpPr>
+          <p:cNvPr id="75" name="TextBox 74">
+            <a:extLst>
+              <a:ext uri="{FF2B5EF4-FFF2-40B4-BE49-F238E27FC236}">
+                <a16:creationId xmlns:a16="http://schemas.microsoft.com/office/drawing/2014/main" id="{120D08EC-15ED-4142-894E-267F5175A66D}"/>
+              </a:ext>
+            </a:extLst>
+          </p:cNvPr>
+          <p:cNvSpPr txBox="1"/>
+          <p:nvPr/>
+        </p:nvSpPr>
+        <p:spPr>
+          <a:xfrm>
+            <a:off x="1585781" y="6324497"/>
+            <a:ext cx="3302263" cy="276999"/>
+          </a:xfrm>
+          <a:prstGeom prst="rect">
+            <a:avLst/>
+          </a:prstGeom>
+          <a:noFill/>
+        </p:spPr>
+        <p:txBody>
+          <a:bodyPr wrap="square" rtlCol="0">
+            <a:spAutoFit/>
+          </a:bodyPr>
+          <a:lstStyle/>
+          <a:p>
+            <a:r>
+              <a:rPr lang="en-US" sz="1200" dirty="0"/>
+              <a:t>Based on Subtype of Atomic particle and Collisions</a:t>
+            </a:r>
+          </a:p>
+        </p:txBody>
+      </p:sp>
     </p:spTree>
     <p:extLst>
       <p:ext uri="{BB962C8B-B14F-4D97-AF65-F5344CB8AC3E}">
@@ -12745,6 +12940,14 @@
 <file path=ppt/slides/slide3.xml><?xml version="1.0" encoding="utf-8"?>
 <p:sld xmlns:a="http://schemas.openxmlformats.org/drawingml/2006/main" xmlns:r="http://schemas.openxmlformats.org/officeDocument/2006/relationships" xmlns:p="http://schemas.openxmlformats.org/presentationml/2006/main">
   <p:cSld>
+    <p:bg>
+      <p:bgPr>
+        <a:solidFill>
+          <a:schemeClr val="bg1"/>
+        </a:solidFill>
+        <a:effectLst/>
+      </p:bgPr>
+    </p:bg>
     <p:spTree>
       <p:nvGrpSpPr>
         <p:cNvPr id="1" name=""/>
@@ -12759,6 +12962,245 @@
           <a:chExt cx="0" cy="0"/>
         </a:xfrm>
       </p:grpSpPr>
+      <p:sp useBgFill="1">
+        <p:nvSpPr>
+          <p:cNvPr id="10" name="Rectangle 9">
+            <a:extLst>
+              <a:ext uri="{FF2B5EF4-FFF2-40B4-BE49-F238E27FC236}">
+                <a16:creationId xmlns:a16="http://schemas.microsoft.com/office/drawing/2014/main" id="{6697F791-5FFA-4164-899F-EB52EA72B024}"/>
+              </a:ext>
+              <a:ext uri="{C183D7F6-B498-43B3-948B-1728B52AA6E4}">
+                <adec:decorative xmlns:adec="http://schemas.microsoft.com/office/drawing/2017/decorative" val="1"/>
+              </a:ext>
+            </a:extLst>
+          </p:cNvPr>
+          <p:cNvSpPr>
+            <a:spLocks noGrp="1" noRot="1" noChangeAspect="1" noMove="1" noResize="1" noEditPoints="1" noAdjustHandles="1" noChangeArrowheads="1" noChangeShapeType="1" noTextEdit="1"/>
+          </p:cNvSpPr>
+          <p:nvPr>
+            <p:extLst>
+              <p:ext uri="{386F3935-93C4-4BCD-93E2-E3B085C9AB24}">
+                <p16:designElem xmlns:p16="http://schemas.microsoft.com/office/powerpoint/2015/main" val="1"/>
+              </p:ext>
+            </p:extLst>
+          </p:nvPr>
+        </p:nvSpPr>
+        <p:spPr>
+          <a:xfrm>
+            <a:off x="0" y="-1"/>
+            <a:ext cx="12192000" cy="6858000"/>
+          </a:xfrm>
+          <a:prstGeom prst="rect">
+            <a:avLst/>
+          </a:prstGeom>
+          <a:ln>
+            <a:noFill/>
+          </a:ln>
+        </p:spPr>
+        <p:style>
+          <a:lnRef idx="2">
+            <a:schemeClr val="accent1">
+              <a:shade val="50000"/>
+            </a:schemeClr>
+          </a:lnRef>
+          <a:fillRef idx="1">
+            <a:schemeClr val="accent1"/>
+          </a:fillRef>
+          <a:effectRef idx="0">
+            <a:schemeClr val="accent1"/>
+          </a:effectRef>
+          <a:fontRef idx="minor">
+            <a:schemeClr val="lt1"/>
+          </a:fontRef>
+        </p:style>
+        <p:txBody>
+          <a:bodyPr rtlCol="0" anchor="ctr"/>
+          <a:lstStyle/>
+          <a:p>
+            <a:pPr algn="ctr"/>
+            <a:endParaRPr lang="en-US"/>
+          </a:p>
+        </p:txBody>
+      </p:sp>
+      <p:pic>
+        <p:nvPicPr>
+          <p:cNvPr id="12" name="Picture 2">
+            <a:extLst>
+              <a:ext uri="{FF2B5EF4-FFF2-40B4-BE49-F238E27FC236}">
+                <a16:creationId xmlns:a16="http://schemas.microsoft.com/office/drawing/2014/main" id="{4E28A1A9-FB81-4816-AAEA-C3B430946951}"/>
+              </a:ext>
+              <a:ext uri="{C183D7F6-B498-43B3-948B-1728B52AA6E4}">
+                <adec:decorative xmlns:adec="http://schemas.microsoft.com/office/drawing/2017/decorative" val="1"/>
+              </a:ext>
+            </a:extLst>
+          </p:cNvPr>
+          <p:cNvPicPr>
+            <a:picLocks noGrp="1" noRot="1" noChangeAspect="1" noMove="1" noResize="1" noEditPoints="1" noAdjustHandles="1" noChangeArrowheads="1" noChangeShapeType="1" noCrop="1"/>
+          </p:cNvPicPr>
+          <p:nvPr>
+            <p:extLst>
+              <p:ext uri="{386F3935-93C4-4BCD-93E2-E3B085C9AB24}">
+                <p16:designElem xmlns:p16="http://schemas.microsoft.com/office/powerpoint/2015/main" val="1"/>
+              </p:ext>
+            </p:extLst>
+          </p:nvPr>
+        </p:nvPicPr>
+        <p:blipFill>
+          <a:blip r:embed="rId2">
+            <a:extLst>
+              <a:ext uri="{28A0092B-C50C-407E-A947-70E740481C1C}">
+                <a14:useLocalDpi xmlns:a14="http://schemas.microsoft.com/office/drawing/2010/main" val="0"/>
+              </a:ext>
+            </a:extLst>
+          </a:blip>
+          <a:srcRect/>
+          <a:stretch>
+            <a:fillRect/>
+          </a:stretch>
+        </p:blipFill>
+        <p:spPr bwMode="auto">
+          <a:xfrm>
+            <a:off x="1190" y="-2"/>
+            <a:ext cx="4061525" cy="6858001"/>
+          </a:xfrm>
+          <a:prstGeom prst="rect">
+            <a:avLst/>
+          </a:prstGeom>
+          <a:extLst>
+            <a:ext uri="{909E8E84-426E-40dd-AFC4-6F175D3DCCD1}">
+              <a14:hiddenFill xmlns="" xmlns:a16="http://schemas.microsoft.com/office/drawing/2014/main" xmlns:p14="http://schemas.microsoft.com/office/powerpoint/2010/main" xmlns:a14="http://schemas.microsoft.com/office/drawing/2010/main">
+                <a:solidFill>
+                  <a:srgbClr val="FFFFFF"/>
+                </a:solidFill>
+              </a14:hiddenFill>
+            </a:ext>
+          </a:extLst>
+        </p:spPr>
+      </p:pic>
+      <p:sp>
+        <p:nvSpPr>
+          <p:cNvPr id="14" name="Rectangle 13">
+            <a:extLst>
+              <a:ext uri="{FF2B5EF4-FFF2-40B4-BE49-F238E27FC236}">
+                <a16:creationId xmlns:a16="http://schemas.microsoft.com/office/drawing/2014/main" id="{B773AB25-A422-41AA-9737-5E04C1966DE1}"/>
+              </a:ext>
+              <a:ext uri="{C183D7F6-B498-43B3-948B-1728B52AA6E4}">
+                <adec:decorative xmlns:adec="http://schemas.microsoft.com/office/drawing/2017/decorative" val="1"/>
+              </a:ext>
+            </a:extLst>
+          </p:cNvPr>
+          <p:cNvSpPr>
+            <a:spLocks noGrp="1" noRot="1" noChangeAspect="1" noMove="1" noResize="1" noEditPoints="1" noAdjustHandles="1" noChangeArrowheads="1" noChangeShapeType="1" noTextEdit="1"/>
+          </p:cNvSpPr>
+          <p:nvPr>
+            <p:extLst>
+              <p:ext uri="{386F3935-93C4-4BCD-93E2-E3B085C9AB24}">
+                <p16:designElem xmlns:p16="http://schemas.microsoft.com/office/powerpoint/2015/main" val="1"/>
+              </p:ext>
+            </p:extLst>
+          </p:nvPr>
+        </p:nvSpPr>
+        <p:spPr>
+          <a:xfrm>
+            <a:off x="0" y="1853"/>
+            <a:ext cx="4055621" cy="6858000"/>
+          </a:xfrm>
+          <a:prstGeom prst="rect">
+            <a:avLst/>
+          </a:prstGeom>
+          <a:ln>
+            <a:noFill/>
+          </a:ln>
+          <a:effectLst>
+            <a:outerShdw blurRad="76200" dist="38100" algn="l" rotWithShape="0">
+              <a:prstClr val="black">
+                <a:alpha val="37000"/>
+              </a:prstClr>
+            </a:outerShdw>
+          </a:effectLst>
+        </p:spPr>
+        <p:style>
+          <a:lnRef idx="2">
+            <a:schemeClr val="accent1">
+              <a:shade val="50000"/>
+            </a:schemeClr>
+          </a:lnRef>
+          <a:fillRef idx="1003">
+            <a:schemeClr val="dk2"/>
+          </a:fillRef>
+          <a:effectRef idx="0">
+            <a:schemeClr val="accent1"/>
+          </a:effectRef>
+          <a:fontRef idx="minor">
+            <a:schemeClr val="lt1"/>
+          </a:fontRef>
+        </p:style>
+        <p:txBody>
+          <a:bodyPr rtlCol="0" anchor="ctr"/>
+          <a:lstStyle/>
+          <a:p>
+            <a:pPr algn="ctr"/>
+            <a:endParaRPr lang="en-US"/>
+          </a:p>
+        </p:txBody>
+      </p:sp>
+      <p:pic>
+        <p:nvPicPr>
+          <p:cNvPr id="16" name="Picture 2">
+            <a:extLst>
+              <a:ext uri="{FF2B5EF4-FFF2-40B4-BE49-F238E27FC236}">
+                <a16:creationId xmlns:a16="http://schemas.microsoft.com/office/drawing/2014/main" id="{AF0552B8-DE8C-40DF-B29F-1728E6A10619}"/>
+              </a:ext>
+              <a:ext uri="{C183D7F6-B498-43B3-948B-1728B52AA6E4}">
+                <adec:decorative xmlns:adec="http://schemas.microsoft.com/office/drawing/2017/decorative" val="1"/>
+              </a:ext>
+            </a:extLst>
+          </p:cNvPr>
+          <p:cNvPicPr>
+            <a:picLocks noGrp="1" noRot="1" noChangeAspect="1" noMove="1" noResize="1" noEditPoints="1" noAdjustHandles="1" noChangeArrowheads="1" noChangeShapeType="1" noCrop="1"/>
+          </p:cNvPicPr>
+          <p:nvPr>
+            <p:extLst>
+              <p:ext uri="{386F3935-93C4-4BCD-93E2-E3B085C9AB24}">
+                <p16:designElem xmlns:p16="http://schemas.microsoft.com/office/powerpoint/2015/main" val="1"/>
+              </p:ext>
+            </p:extLst>
+          </p:nvPr>
+        </p:nvPicPr>
+        <p:blipFill>
+          <a:blip r:embed="rId2">
+            <a:alphaModFix amt="30000"/>
+            <a:extLst>
+              <a:ext uri="{28A0092B-C50C-407E-A947-70E740481C1C}">
+                <a14:useLocalDpi xmlns:a14="http://schemas.microsoft.com/office/drawing/2010/main" val="0"/>
+              </a:ext>
+            </a:extLst>
+          </a:blip>
+          <a:srcRect/>
+          <a:stretch>
+            <a:fillRect/>
+          </a:stretch>
+        </p:blipFill>
+        <p:spPr bwMode="auto">
+          <a:xfrm>
+            <a:off x="-22530" y="23283"/>
+            <a:ext cx="4078152" cy="6858001"/>
+          </a:xfrm>
+          <a:prstGeom prst="rect">
+            <a:avLst/>
+          </a:prstGeom>
+          <a:noFill/>
+          <a:extLst>
+            <a:ext uri="{909E8E84-426E-40dd-AFC4-6F175D3DCCD1}">
+              <a14:hiddenFill xmlns="" xmlns:a16="http://schemas.microsoft.com/office/drawing/2014/main" xmlns:p14="http://schemas.microsoft.com/office/powerpoint/2010/main" xmlns:a14="http://schemas.microsoft.com/office/drawing/2010/main">
+                <a:solidFill>
+                  <a:srgbClr val="FFFFFF"/>
+                </a:solidFill>
+              </a14:hiddenFill>
+            </a:ext>
+          </a:extLst>
+        </p:spPr>
+      </p:pic>
       <p:sp>
         <p:nvSpPr>
           <p:cNvPr id="2" name="Title 1">
@@ -12775,13 +13217,26 @@
             <p:ph type="title"/>
           </p:nvPr>
         </p:nvSpPr>
-        <p:spPr/>
+        <p:spPr>
+          <a:xfrm>
+            <a:off x="855266" y="618518"/>
+            <a:ext cx="2851417" cy="1478570"/>
+          </a:xfrm>
+        </p:spPr>
         <p:txBody>
-          <a:bodyPr/>
+          <a:bodyPr>
+            <a:normAutofit/>
+          </a:bodyPr>
           <a:lstStyle/>
           <a:p>
             <a:r>
-              <a:rPr lang="en-US" dirty="0"/>
+              <a:rPr lang="en-US" sz="3200" dirty="0">
+                <a:solidFill>
+                  <a:schemeClr val="bg2">
+                    <a:lumMod val="75000"/>
+                  </a:schemeClr>
+                </a:solidFill>
+              </a:rPr>
               <a:t>Links</a:t>
             </a:r>
           </a:p>
@@ -12805,41 +13260,2550 @@
         </p:nvSpPr>
         <p:spPr>
           <a:xfrm>
-            <a:off x="480646" y="2249487"/>
-            <a:ext cx="11265877" cy="3541714"/>
+            <a:off x="844620" y="2249487"/>
+            <a:ext cx="2862444" cy="3957302"/>
           </a:xfrm>
         </p:spPr>
         <p:txBody>
-          <a:bodyPr/>
+          <a:bodyPr>
+            <a:normAutofit/>
+          </a:bodyPr>
           <a:lstStyle/>
           <a:p>
             <a:r>
-              <a:rPr lang="en-US" dirty="0"/>
+              <a:rPr lang="en-US" sz="1400" dirty="0">
+                <a:solidFill>
+                  <a:schemeClr val="bg2">
+                    <a:lumMod val="75000"/>
+                  </a:schemeClr>
+                </a:solidFill>
+              </a:rPr>
               <a:t> </a:t>
             </a:r>
             <a:r>
-              <a:rPr lang="en-US" dirty="0">
-                <a:hlinkClick r:id="rId2"/>
+              <a:rPr lang="en-US" sz="1400" dirty="0">
+                <a:solidFill>
+                  <a:schemeClr val="bg2">
+                    <a:lumMod val="75000"/>
+                  </a:schemeClr>
+                </a:solidFill>
+                <a:hlinkClick r:id="rId3">
+                  <a:extLst>
+                    <a:ext uri="{A12FA001-AC4F-418D-AE19-62706E023703}">
+                      <ahyp:hlinkClr xmlns:ahyp="http://schemas.microsoft.com/office/drawing/2018/hyperlinkcolor" val="tx"/>
+                    </a:ext>
+                  </a:extLst>
+                </a:hlinkClick>
               </a:rPr>
               <a:t>https://colab.research.google.com/drive/1ylajmB3ByWG8W7nvRDYTtoTUKnmV0R-W</a:t>
             </a:r>
-            <a:endParaRPr lang="en-US" dirty="0"/>
+            <a:endParaRPr lang="en-US" sz="1400" dirty="0">
+              <a:solidFill>
+                <a:schemeClr val="bg2">
+                  <a:lumMod val="75000"/>
+                </a:schemeClr>
+              </a:solidFill>
+            </a:endParaRPr>
           </a:p>
           <a:p>
             <a:r>
-              <a:rPr lang="en-US"/>
+              <a:rPr lang="en-US" sz="1400" dirty="0">
+                <a:solidFill>
+                  <a:schemeClr val="bg2">
+                    <a:lumMod val="75000"/>
+                  </a:schemeClr>
+                </a:solidFill>
+              </a:rPr>
               <a:t> </a:t>
             </a:r>
             <a:r>
-              <a:rPr lang="en-US">
-                <a:hlinkClick r:id="rId3"/>
+              <a:rPr lang="en-US" sz="1400" dirty="0">
+                <a:solidFill>
+                  <a:schemeClr val="bg2">
+                    <a:lumMod val="75000"/>
+                  </a:schemeClr>
+                </a:solidFill>
+                <a:hlinkClick r:id="rId4">
+                  <a:extLst>
+                    <a:ext uri="{A12FA001-AC4F-418D-AE19-62706E023703}">
+                      <ahyp:hlinkClr xmlns:ahyp="http://schemas.microsoft.com/office/drawing/2018/hyperlinkcolor" val="tx"/>
+                    </a:ext>
+                  </a:extLst>
+                </a:hlinkClick>
               </a:rPr>
               <a:t>https://medium.com/@randomwalkjm/ghosts-in-the-machine-3d0115c065f6</a:t>
             </a:r>
-            <a:endParaRPr lang="en-US" dirty="0"/>
+            <a:endParaRPr lang="en-US" sz="1400" dirty="0">
+              <a:solidFill>
+                <a:schemeClr val="bg2">
+                  <a:lumMod val="75000"/>
+                </a:schemeClr>
+              </a:solidFill>
+            </a:endParaRPr>
           </a:p>
         </p:txBody>
       </p:sp>
+      <p:grpSp>
+        <p:nvGrpSpPr>
+          <p:cNvPr id="18" name="Group 17">
+            <a:extLst>
+              <a:ext uri="{FF2B5EF4-FFF2-40B4-BE49-F238E27FC236}">
+                <a16:creationId xmlns:a16="http://schemas.microsoft.com/office/drawing/2014/main" id="{6AD0D387-1584-4477-B5F8-52B50D4F2205}"/>
+              </a:ext>
+              <a:ext uri="{C183D7F6-B498-43B3-948B-1728B52AA6E4}">
+                <adec:decorative xmlns:adec="http://schemas.microsoft.com/office/drawing/2017/decorative" val="1"/>
+              </a:ext>
+            </a:extLst>
+          </p:cNvPr>
+          <p:cNvGrpSpPr>
+            <a:grpSpLocks noGrp="1" noUngrp="1" noRot="1" noChangeAspect="1" noMove="1" noResize="1"/>
+          </p:cNvGrpSpPr>
+          <p:nvPr>
+            <p:extLst>
+              <p:ext uri="{386F3935-93C4-4BCD-93E2-E3B085C9AB24}">
+                <p16:designElem xmlns:p16="http://schemas.microsoft.com/office/powerpoint/2015/main" val="1"/>
+              </p:ext>
+            </p:extLst>
+          </p:nvPr>
+        </p:nvGrpSpPr>
+        <p:grpSpPr>
+          <a:xfrm>
+            <a:off x="0" y="0"/>
+            <a:ext cx="1220788" cy="6858001"/>
+            <a:chOff x="-14288" y="0"/>
+            <a:chExt cx="1220788" cy="6858001"/>
+          </a:xfrm>
+          <a:gradFill flip="none" rotWithShape="1">
+            <a:gsLst>
+              <a:gs pos="0">
+                <a:schemeClr val="bg2"/>
+              </a:gs>
+              <a:gs pos="100000">
+                <a:schemeClr val="tx2">
+                  <a:lumMod val="60000"/>
+                  <a:lumOff val="40000"/>
+                </a:schemeClr>
+              </a:gs>
+            </a:gsLst>
+            <a:lin ang="5400000" scaled="0"/>
+            <a:tileRect/>
+          </a:gradFill>
+        </p:grpSpPr>
+        <p:sp>
+          <p:nvSpPr>
+            <p:cNvPr id="19" name="Rectangle 5">
+              <a:extLst>
+                <a:ext uri="{FF2B5EF4-FFF2-40B4-BE49-F238E27FC236}">
+                  <a16:creationId xmlns:a16="http://schemas.microsoft.com/office/drawing/2014/main" id="{22C90122-8CF0-4164-B596-168DE41D39A4}"/>
+                </a:ext>
+                <a:ext uri="{C183D7F6-B498-43B3-948B-1728B52AA6E4}">
+                  <adec:decorative xmlns:adec="http://schemas.microsoft.com/office/drawing/2017/decorative" val="1"/>
+                </a:ext>
+              </a:extLst>
+            </p:cNvPr>
+            <p:cNvSpPr>
+              <a:spLocks noChangeArrowheads="1"/>
+            </p:cNvSpPr>
+            <p:nvPr>
+              <p:extLst>
+                <p:ext uri="{386F3935-93C4-4BCD-93E2-E3B085C9AB24}">
+                  <p16:designElem xmlns:p16="http://schemas.microsoft.com/office/powerpoint/2015/main" val="1"/>
+                </p:ext>
+              </p:extLst>
+            </p:nvPr>
+          </p:nvSpPr>
+          <p:spPr bwMode="auto">
+            <a:xfrm>
+              <a:off x="114300" y="4763"/>
+              <a:ext cx="23813" cy="2181225"/>
+            </a:xfrm>
+            <a:prstGeom prst="rect">
+              <a:avLst/>
+            </a:prstGeom>
+            <a:grpFill/>
+            <a:ln>
+              <a:noFill/>
+            </a:ln>
+            <a:extLst>
+              <a:ext uri="{91240B29-F687-4f45-9708-019B960494DF}">
+                <a14:hiddenLine xmlns="" xmlns:a16="http://schemas.microsoft.com/office/drawing/2014/main" xmlns:p14="http://schemas.microsoft.com/office/powerpoint/2010/main" xmlns:a14="http://schemas.microsoft.com/office/drawing/2010/main" w="9525">
+                  <a:solidFill>
+                    <a:srgbClr val="000000"/>
+                  </a:solidFill>
+                  <a:miter lim="800000"/>
+                  <a:headEnd/>
+                  <a:tailEnd/>
+                </a14:hiddenLine>
+              </a:ext>
+            </a:extLst>
+          </p:spPr>
+        </p:sp>
+        <p:sp>
+          <p:nvSpPr>
+            <p:cNvPr id="20" name="Freeform 6">
+              <a:extLst>
+                <a:ext uri="{FF2B5EF4-FFF2-40B4-BE49-F238E27FC236}">
+                  <a16:creationId xmlns:a16="http://schemas.microsoft.com/office/drawing/2014/main" id="{E74D534E-37A6-4D27-9C47-0B2F0527838E}"/>
+                </a:ext>
+                <a:ext uri="{C183D7F6-B498-43B3-948B-1728B52AA6E4}">
+                  <adec:decorative xmlns:adec="http://schemas.microsoft.com/office/drawing/2017/decorative" val="1"/>
+                </a:ext>
+              </a:extLst>
+            </p:cNvPr>
+            <p:cNvSpPr>
+              <a:spLocks noEditPoints="1"/>
+            </p:cNvSpPr>
+            <p:nvPr>
+              <p:extLst>
+                <p:ext uri="{386F3935-93C4-4BCD-93E2-E3B085C9AB24}">
+                  <p16:designElem xmlns:p16="http://schemas.microsoft.com/office/powerpoint/2015/main" val="1"/>
+                </p:ext>
+              </p:extLst>
+            </p:nvPr>
+          </p:nvSpPr>
+          <p:spPr bwMode="auto">
+            <a:xfrm>
+              <a:off x="33337" y="2176463"/>
+              <a:ext cx="190500" cy="190500"/>
+            </a:xfrm>
+            <a:custGeom>
+              <a:avLst/>
+              <a:gdLst/>
+              <a:ahLst/>
+              <a:cxnLst/>
+              <a:rect l="0" t="0" r="r" b="b"/>
+              <a:pathLst>
+                <a:path w="40" h="40">
+                  <a:moveTo>
+                    <a:pt x="20" y="40"/>
+                  </a:moveTo>
+                  <a:cubicBezTo>
+                    <a:pt x="9" y="40"/>
+                    <a:pt x="0" y="31"/>
+                    <a:pt x="0" y="20"/>
+                  </a:cubicBezTo>
+                  <a:cubicBezTo>
+                    <a:pt x="0" y="9"/>
+                    <a:pt x="9" y="0"/>
+                    <a:pt x="20" y="0"/>
+                  </a:cubicBezTo>
+                  <a:cubicBezTo>
+                    <a:pt x="31" y="0"/>
+                    <a:pt x="40" y="9"/>
+                    <a:pt x="40" y="20"/>
+                  </a:cubicBezTo>
+                  <a:cubicBezTo>
+                    <a:pt x="40" y="31"/>
+                    <a:pt x="31" y="40"/>
+                    <a:pt x="20" y="40"/>
+                  </a:cubicBezTo>
+                  <a:close/>
+                  <a:moveTo>
+                    <a:pt x="20" y="4"/>
+                  </a:moveTo>
+                  <a:cubicBezTo>
+                    <a:pt x="11" y="4"/>
+                    <a:pt x="4" y="11"/>
+                    <a:pt x="4" y="20"/>
+                  </a:cubicBezTo>
+                  <a:cubicBezTo>
+                    <a:pt x="4" y="29"/>
+                    <a:pt x="11" y="36"/>
+                    <a:pt x="20" y="36"/>
+                  </a:cubicBezTo>
+                  <a:cubicBezTo>
+                    <a:pt x="28" y="36"/>
+                    <a:pt x="36" y="29"/>
+                    <a:pt x="36" y="20"/>
+                  </a:cubicBezTo>
+                  <a:cubicBezTo>
+                    <a:pt x="36" y="11"/>
+                    <a:pt x="28" y="4"/>
+                    <a:pt x="20" y="4"/>
+                  </a:cubicBezTo>
+                  <a:close/>
+                </a:path>
+              </a:pathLst>
+            </a:custGeom>
+            <a:grpFill/>
+            <a:ln>
+              <a:noFill/>
+            </a:ln>
+            <a:extLst>
+              <a:ext uri="{91240B29-F687-4f45-9708-019B960494DF}">
+                <a14:hiddenLine xmlns="" xmlns:a16="http://schemas.microsoft.com/office/drawing/2014/main" xmlns:p14="http://schemas.microsoft.com/office/powerpoint/2010/main" xmlns:a14="http://schemas.microsoft.com/office/drawing/2010/main" w="9525">
+                  <a:solidFill>
+                    <a:srgbClr val="000000"/>
+                  </a:solidFill>
+                  <a:round/>
+                  <a:headEnd/>
+                  <a:tailEnd/>
+                </a14:hiddenLine>
+              </a:ext>
+            </a:extLst>
+          </p:spPr>
+        </p:sp>
+        <p:sp>
+          <p:nvSpPr>
+            <p:cNvPr id="21" name="Freeform 7">
+              <a:extLst>
+                <a:ext uri="{FF2B5EF4-FFF2-40B4-BE49-F238E27FC236}">
+                  <a16:creationId xmlns:a16="http://schemas.microsoft.com/office/drawing/2014/main" id="{1C1C156E-D2E0-468A-9B19-79521D69BF55}"/>
+                </a:ext>
+                <a:ext uri="{C183D7F6-B498-43B3-948B-1728B52AA6E4}">
+                  <adec:decorative xmlns:adec="http://schemas.microsoft.com/office/drawing/2017/decorative" val="1"/>
+                </a:ext>
+              </a:extLst>
+            </p:cNvPr>
+            <p:cNvSpPr>
+              <a:spLocks noEditPoints="1"/>
+            </p:cNvSpPr>
+            <p:nvPr>
+              <p:extLst>
+                <p:ext uri="{386F3935-93C4-4BCD-93E2-E3B085C9AB24}">
+                  <p16:designElem xmlns:p16="http://schemas.microsoft.com/office/powerpoint/2015/main" val="1"/>
+                </p:ext>
+              </p:extLst>
+            </p:nvPr>
+          </p:nvSpPr>
+          <p:spPr bwMode="auto">
+            <a:xfrm>
+              <a:off x="28575" y="4021138"/>
+              <a:ext cx="190500" cy="188913"/>
+            </a:xfrm>
+            <a:custGeom>
+              <a:avLst/>
+              <a:gdLst/>
+              <a:ahLst/>
+              <a:cxnLst/>
+              <a:rect l="0" t="0" r="r" b="b"/>
+              <a:pathLst>
+                <a:path w="40" h="40">
+                  <a:moveTo>
+                    <a:pt x="20" y="40"/>
+                  </a:moveTo>
+                  <a:cubicBezTo>
+                    <a:pt x="9" y="40"/>
+                    <a:pt x="0" y="31"/>
+                    <a:pt x="0" y="20"/>
+                  </a:cubicBezTo>
+                  <a:cubicBezTo>
+                    <a:pt x="0" y="9"/>
+                    <a:pt x="9" y="0"/>
+                    <a:pt x="20" y="0"/>
+                  </a:cubicBezTo>
+                  <a:cubicBezTo>
+                    <a:pt x="31" y="0"/>
+                    <a:pt x="40" y="9"/>
+                    <a:pt x="40" y="20"/>
+                  </a:cubicBezTo>
+                  <a:cubicBezTo>
+                    <a:pt x="40" y="31"/>
+                    <a:pt x="31" y="40"/>
+                    <a:pt x="20" y="40"/>
+                  </a:cubicBezTo>
+                  <a:close/>
+                  <a:moveTo>
+                    <a:pt x="20" y="4"/>
+                  </a:moveTo>
+                  <a:cubicBezTo>
+                    <a:pt x="12" y="4"/>
+                    <a:pt x="4" y="11"/>
+                    <a:pt x="4" y="20"/>
+                  </a:cubicBezTo>
+                  <a:cubicBezTo>
+                    <a:pt x="4" y="29"/>
+                    <a:pt x="12" y="36"/>
+                    <a:pt x="20" y="36"/>
+                  </a:cubicBezTo>
+                  <a:cubicBezTo>
+                    <a:pt x="29" y="36"/>
+                    <a:pt x="36" y="29"/>
+                    <a:pt x="36" y="20"/>
+                  </a:cubicBezTo>
+                  <a:cubicBezTo>
+                    <a:pt x="36" y="11"/>
+                    <a:pt x="29" y="4"/>
+                    <a:pt x="20" y="4"/>
+                  </a:cubicBezTo>
+                  <a:close/>
+                </a:path>
+              </a:pathLst>
+            </a:custGeom>
+            <a:grpFill/>
+            <a:ln>
+              <a:noFill/>
+            </a:ln>
+            <a:extLst>
+              <a:ext uri="{91240B29-F687-4f45-9708-019B960494DF}">
+                <a14:hiddenLine xmlns="" xmlns:a16="http://schemas.microsoft.com/office/drawing/2014/main" xmlns:p14="http://schemas.microsoft.com/office/powerpoint/2010/main" xmlns:a14="http://schemas.microsoft.com/office/drawing/2010/main" w="9525">
+                  <a:solidFill>
+                    <a:srgbClr val="000000"/>
+                  </a:solidFill>
+                  <a:round/>
+                  <a:headEnd/>
+                  <a:tailEnd/>
+                </a14:hiddenLine>
+              </a:ext>
+            </a:extLst>
+          </p:spPr>
+        </p:sp>
+        <p:sp>
+          <p:nvSpPr>
+            <p:cNvPr id="22" name="Freeform 8">
+              <a:extLst>
+                <a:ext uri="{FF2B5EF4-FFF2-40B4-BE49-F238E27FC236}">
+                  <a16:creationId xmlns:a16="http://schemas.microsoft.com/office/drawing/2014/main" id="{14C97F11-4F6C-4DFF-89BC-3AEA5B7FF74F}"/>
+                </a:ext>
+                <a:ext uri="{C183D7F6-B498-43B3-948B-1728B52AA6E4}">
+                  <adec:decorative xmlns:adec="http://schemas.microsoft.com/office/drawing/2017/decorative" val="1"/>
+                </a:ext>
+              </a:extLst>
+            </p:cNvPr>
+            <p:cNvSpPr/>
+            <p:nvPr>
+              <p:extLst>
+                <p:ext uri="{386F3935-93C4-4BCD-93E2-E3B085C9AB24}">
+                  <p16:designElem xmlns:p16="http://schemas.microsoft.com/office/powerpoint/2015/main" val="1"/>
+                </p:ext>
+              </p:extLst>
+            </p:nvPr>
+          </p:nvSpPr>
+          <p:spPr bwMode="auto">
+            <a:xfrm>
+              <a:off x="200025" y="4763"/>
+              <a:ext cx="369888" cy="1811338"/>
+            </a:xfrm>
+            <a:custGeom>
+              <a:avLst/>
+              <a:gdLst/>
+              <a:ahLst/>
+              <a:cxnLst/>
+              <a:rect l="0" t="0" r="r" b="b"/>
+              <a:pathLst>
+                <a:path w="233" h="1141">
+                  <a:moveTo>
+                    <a:pt x="218" y="1141"/>
+                  </a:moveTo>
+                  <a:lnTo>
+                    <a:pt x="0" y="626"/>
+                  </a:lnTo>
+                  <a:lnTo>
+                    <a:pt x="0" y="0"/>
+                  </a:lnTo>
+                  <a:lnTo>
+                    <a:pt x="15" y="0"/>
+                  </a:lnTo>
+                  <a:lnTo>
+                    <a:pt x="15" y="623"/>
+                  </a:lnTo>
+                  <a:lnTo>
+                    <a:pt x="233" y="1135"/>
+                  </a:lnTo>
+                  <a:lnTo>
+                    <a:pt x="218" y="1141"/>
+                  </a:lnTo>
+                  <a:close/>
+                </a:path>
+              </a:pathLst>
+            </a:custGeom>
+            <a:grpFill/>
+            <a:ln>
+              <a:noFill/>
+            </a:ln>
+            <a:extLst>
+              <a:ext uri="{91240B29-F687-4f45-9708-019B960494DF}">
+                <a14:hiddenLine xmlns="" xmlns:a16="http://schemas.microsoft.com/office/drawing/2014/main" xmlns:p14="http://schemas.microsoft.com/office/powerpoint/2010/main" xmlns:a14="http://schemas.microsoft.com/office/drawing/2010/main" w="9525">
+                  <a:solidFill>
+                    <a:srgbClr val="000000"/>
+                  </a:solidFill>
+                  <a:round/>
+                  <a:headEnd/>
+                  <a:tailEnd/>
+                </a14:hiddenLine>
+              </a:ext>
+            </a:extLst>
+          </p:spPr>
+        </p:sp>
+        <p:sp>
+          <p:nvSpPr>
+            <p:cNvPr id="23" name="Freeform 9">
+              <a:extLst>
+                <a:ext uri="{FF2B5EF4-FFF2-40B4-BE49-F238E27FC236}">
+                  <a16:creationId xmlns:a16="http://schemas.microsoft.com/office/drawing/2014/main" id="{773C2106-77CE-42E1-839F-925EAEBB2FF9}"/>
+                </a:ext>
+                <a:ext uri="{C183D7F6-B498-43B3-948B-1728B52AA6E4}">
+                  <adec:decorative xmlns:adec="http://schemas.microsoft.com/office/drawing/2017/decorative" val="1"/>
+                </a:ext>
+              </a:extLst>
+            </p:cNvPr>
+            <p:cNvSpPr>
+              <a:spLocks noEditPoints="1"/>
+            </p:cNvSpPr>
+            <p:nvPr>
+              <p:extLst>
+                <p:ext uri="{386F3935-93C4-4BCD-93E2-E3B085C9AB24}">
+                  <p16:designElem xmlns:p16="http://schemas.microsoft.com/office/powerpoint/2015/main" val="1"/>
+                </p:ext>
+              </p:extLst>
+            </p:nvPr>
+          </p:nvSpPr>
+          <p:spPr bwMode="auto">
+            <a:xfrm>
+              <a:off x="503237" y="1801813"/>
+              <a:ext cx="190500" cy="188913"/>
+            </a:xfrm>
+            <a:custGeom>
+              <a:avLst/>
+              <a:gdLst/>
+              <a:ahLst/>
+              <a:cxnLst/>
+              <a:rect l="0" t="0" r="r" b="b"/>
+              <a:pathLst>
+                <a:path w="40" h="40">
+                  <a:moveTo>
+                    <a:pt x="20" y="40"/>
+                  </a:moveTo>
+                  <a:cubicBezTo>
+                    <a:pt x="9" y="40"/>
+                    <a:pt x="0" y="31"/>
+                    <a:pt x="0" y="20"/>
+                  </a:cubicBezTo>
+                  <a:cubicBezTo>
+                    <a:pt x="0" y="9"/>
+                    <a:pt x="9" y="0"/>
+                    <a:pt x="20" y="0"/>
+                  </a:cubicBezTo>
+                  <a:cubicBezTo>
+                    <a:pt x="33" y="0"/>
+                    <a:pt x="40" y="6"/>
+                    <a:pt x="40" y="20"/>
+                  </a:cubicBezTo>
+                  <a:cubicBezTo>
+                    <a:pt x="40" y="31"/>
+                    <a:pt x="31" y="40"/>
+                    <a:pt x="20" y="40"/>
+                  </a:cubicBezTo>
+                  <a:close/>
+                  <a:moveTo>
+                    <a:pt x="20" y="4"/>
+                  </a:moveTo>
+                  <a:cubicBezTo>
+                    <a:pt x="11" y="4"/>
+                    <a:pt x="4" y="11"/>
+                    <a:pt x="4" y="20"/>
+                  </a:cubicBezTo>
+                  <a:cubicBezTo>
+                    <a:pt x="4" y="29"/>
+                    <a:pt x="11" y="36"/>
+                    <a:pt x="20" y="36"/>
+                  </a:cubicBezTo>
+                  <a:cubicBezTo>
+                    <a:pt x="28" y="36"/>
+                    <a:pt x="36" y="29"/>
+                    <a:pt x="36" y="20"/>
+                  </a:cubicBezTo>
+                  <a:cubicBezTo>
+                    <a:pt x="36" y="9"/>
+                    <a:pt x="31" y="4"/>
+                    <a:pt x="20" y="4"/>
+                  </a:cubicBezTo>
+                  <a:close/>
+                </a:path>
+              </a:pathLst>
+            </a:custGeom>
+            <a:grpFill/>
+            <a:ln>
+              <a:noFill/>
+            </a:ln>
+            <a:extLst>
+              <a:ext uri="{91240B29-F687-4f45-9708-019B960494DF}">
+                <a14:hiddenLine xmlns="" xmlns:a16="http://schemas.microsoft.com/office/drawing/2014/main" xmlns:p14="http://schemas.microsoft.com/office/powerpoint/2010/main" xmlns:a14="http://schemas.microsoft.com/office/drawing/2010/main" w="9525">
+                  <a:solidFill>
+                    <a:srgbClr val="000000"/>
+                  </a:solidFill>
+                  <a:round/>
+                  <a:headEnd/>
+                  <a:tailEnd/>
+                </a14:hiddenLine>
+              </a:ext>
+            </a:extLst>
+          </p:spPr>
+        </p:sp>
+        <p:sp>
+          <p:nvSpPr>
+            <p:cNvPr id="24" name="Freeform 10">
+              <a:extLst>
+                <a:ext uri="{FF2B5EF4-FFF2-40B4-BE49-F238E27FC236}">
+                  <a16:creationId xmlns:a16="http://schemas.microsoft.com/office/drawing/2014/main" id="{E2807D33-BD1F-4B09-8D93-63C06DB3C0F7}"/>
+                </a:ext>
+                <a:ext uri="{C183D7F6-B498-43B3-948B-1728B52AA6E4}">
+                  <adec:decorative xmlns:adec="http://schemas.microsoft.com/office/drawing/2017/decorative" val="1"/>
+                </a:ext>
+              </a:extLst>
+            </p:cNvPr>
+            <p:cNvSpPr/>
+            <p:nvPr>
+              <p:extLst>
+                <p:ext uri="{386F3935-93C4-4BCD-93E2-E3B085C9AB24}">
+                  <p16:designElem xmlns:p16="http://schemas.microsoft.com/office/powerpoint/2015/main" val="1"/>
+                </p:ext>
+              </p:extLst>
+            </p:nvPr>
+          </p:nvSpPr>
+          <p:spPr bwMode="auto">
+            <a:xfrm>
+              <a:off x="285750" y="4763"/>
+              <a:ext cx="369888" cy="1430338"/>
+            </a:xfrm>
+            <a:custGeom>
+              <a:avLst/>
+              <a:gdLst/>
+              <a:ahLst/>
+              <a:cxnLst/>
+              <a:rect l="0" t="0" r="r" b="b"/>
+              <a:pathLst>
+                <a:path w="233" h="901">
+                  <a:moveTo>
+                    <a:pt x="221" y="901"/>
+                  </a:moveTo>
+                  <a:lnTo>
+                    <a:pt x="0" y="383"/>
+                  </a:lnTo>
+                  <a:lnTo>
+                    <a:pt x="0" y="0"/>
+                  </a:lnTo>
+                  <a:lnTo>
+                    <a:pt x="18" y="0"/>
+                  </a:lnTo>
+                  <a:lnTo>
+                    <a:pt x="18" y="380"/>
+                  </a:lnTo>
+                  <a:lnTo>
+                    <a:pt x="233" y="895"/>
+                  </a:lnTo>
+                  <a:lnTo>
+                    <a:pt x="221" y="901"/>
+                  </a:lnTo>
+                  <a:close/>
+                </a:path>
+              </a:pathLst>
+            </a:custGeom>
+            <a:grpFill/>
+            <a:ln>
+              <a:noFill/>
+            </a:ln>
+            <a:extLst>
+              <a:ext uri="{91240B29-F687-4f45-9708-019B960494DF}">
+                <a14:hiddenLine xmlns="" xmlns:a16="http://schemas.microsoft.com/office/drawing/2014/main" xmlns:p14="http://schemas.microsoft.com/office/powerpoint/2010/main" xmlns:a14="http://schemas.microsoft.com/office/drawing/2010/main" w="9525">
+                  <a:solidFill>
+                    <a:srgbClr val="000000"/>
+                  </a:solidFill>
+                  <a:round/>
+                  <a:headEnd/>
+                  <a:tailEnd/>
+                </a14:hiddenLine>
+              </a:ext>
+            </a:extLst>
+          </p:spPr>
+        </p:sp>
+        <p:sp>
+          <p:nvSpPr>
+            <p:cNvPr id="25" name="Freeform 11">
+              <a:extLst>
+                <a:ext uri="{FF2B5EF4-FFF2-40B4-BE49-F238E27FC236}">
+                  <a16:creationId xmlns:a16="http://schemas.microsoft.com/office/drawing/2014/main" id="{84BDF3E8-157B-47D1-AF8E-FE1EFF0612E4}"/>
+                </a:ext>
+                <a:ext uri="{C183D7F6-B498-43B3-948B-1728B52AA6E4}">
+                  <adec:decorative xmlns:adec="http://schemas.microsoft.com/office/drawing/2017/decorative" val="1"/>
+                </a:ext>
+              </a:extLst>
+            </p:cNvPr>
+            <p:cNvSpPr/>
+            <p:nvPr>
+              <p:extLst>
+                <p:ext uri="{386F3935-93C4-4BCD-93E2-E3B085C9AB24}">
+                  <p16:designElem xmlns:p16="http://schemas.microsoft.com/office/powerpoint/2015/main" val="1"/>
+                </p:ext>
+              </p:extLst>
+            </p:nvPr>
+          </p:nvSpPr>
+          <p:spPr bwMode="auto">
+            <a:xfrm>
+              <a:off x="546100" y="0"/>
+              <a:ext cx="152400" cy="912813"/>
+            </a:xfrm>
+            <a:custGeom>
+              <a:avLst/>
+              <a:gdLst/>
+              <a:ahLst/>
+              <a:cxnLst/>
+              <a:rect l="0" t="0" r="r" b="b"/>
+              <a:pathLst>
+                <a:path w="96" h="575">
+                  <a:moveTo>
+                    <a:pt x="96" y="575"/>
+                  </a:moveTo>
+                  <a:lnTo>
+                    <a:pt x="78" y="575"/>
+                  </a:lnTo>
+                  <a:lnTo>
+                    <a:pt x="78" y="192"/>
+                  </a:lnTo>
+                  <a:lnTo>
+                    <a:pt x="0" y="6"/>
+                  </a:lnTo>
+                  <a:lnTo>
+                    <a:pt x="15" y="0"/>
+                  </a:lnTo>
+                  <a:lnTo>
+                    <a:pt x="96" y="189"/>
+                  </a:lnTo>
+                  <a:lnTo>
+                    <a:pt x="96" y="575"/>
+                  </a:lnTo>
+                  <a:close/>
+                </a:path>
+              </a:pathLst>
+            </a:custGeom>
+            <a:grpFill/>
+            <a:ln>
+              <a:noFill/>
+            </a:ln>
+            <a:extLst>
+              <a:ext uri="{91240B29-F687-4f45-9708-019B960494DF}">
+                <a14:hiddenLine xmlns="" xmlns:a16="http://schemas.microsoft.com/office/drawing/2014/main" xmlns:p14="http://schemas.microsoft.com/office/powerpoint/2010/main" xmlns:a14="http://schemas.microsoft.com/office/drawing/2010/main" w="9525">
+                  <a:solidFill>
+                    <a:srgbClr val="000000"/>
+                  </a:solidFill>
+                  <a:round/>
+                  <a:headEnd/>
+                  <a:tailEnd/>
+                </a14:hiddenLine>
+              </a:ext>
+            </a:extLst>
+          </p:spPr>
+        </p:sp>
+        <p:sp>
+          <p:nvSpPr>
+            <p:cNvPr id="26" name="Freeform 12">
+              <a:extLst>
+                <a:ext uri="{FF2B5EF4-FFF2-40B4-BE49-F238E27FC236}">
+                  <a16:creationId xmlns:a16="http://schemas.microsoft.com/office/drawing/2014/main" id="{68B482B5-E0FD-406A-99B2-297DF333546D}"/>
+                </a:ext>
+                <a:ext uri="{C183D7F6-B498-43B3-948B-1728B52AA6E4}">
+                  <adec:decorative xmlns:adec="http://schemas.microsoft.com/office/drawing/2017/decorative" val="1"/>
+                </a:ext>
+              </a:extLst>
+            </p:cNvPr>
+            <p:cNvSpPr>
+              <a:spLocks noEditPoints="1"/>
+            </p:cNvSpPr>
+            <p:nvPr>
+              <p:extLst>
+                <p:ext uri="{386F3935-93C4-4BCD-93E2-E3B085C9AB24}">
+                  <p16:designElem xmlns:p16="http://schemas.microsoft.com/office/powerpoint/2015/main" val="1"/>
+                </p:ext>
+              </p:extLst>
+            </p:nvPr>
+          </p:nvSpPr>
+          <p:spPr bwMode="auto">
+            <a:xfrm>
+              <a:off x="588962" y="1420813"/>
+              <a:ext cx="190500" cy="190500"/>
+            </a:xfrm>
+            <a:custGeom>
+              <a:avLst/>
+              <a:gdLst/>
+              <a:ahLst/>
+              <a:cxnLst/>
+              <a:rect l="0" t="0" r="r" b="b"/>
+              <a:pathLst>
+                <a:path w="40" h="40">
+                  <a:moveTo>
+                    <a:pt x="20" y="40"/>
+                  </a:moveTo>
+                  <a:cubicBezTo>
+                    <a:pt x="9" y="40"/>
+                    <a:pt x="0" y="31"/>
+                    <a:pt x="0" y="20"/>
+                  </a:cubicBezTo>
+                  <a:cubicBezTo>
+                    <a:pt x="0" y="9"/>
+                    <a:pt x="9" y="0"/>
+                    <a:pt x="20" y="0"/>
+                  </a:cubicBezTo>
+                  <a:cubicBezTo>
+                    <a:pt x="33" y="0"/>
+                    <a:pt x="40" y="7"/>
+                    <a:pt x="40" y="20"/>
+                  </a:cubicBezTo>
+                  <a:cubicBezTo>
+                    <a:pt x="40" y="31"/>
+                    <a:pt x="31" y="40"/>
+                    <a:pt x="20" y="40"/>
+                  </a:cubicBezTo>
+                  <a:close/>
+                  <a:moveTo>
+                    <a:pt x="20" y="4"/>
+                  </a:moveTo>
+                  <a:cubicBezTo>
+                    <a:pt x="11" y="4"/>
+                    <a:pt x="4" y="11"/>
+                    <a:pt x="4" y="20"/>
+                  </a:cubicBezTo>
+                  <a:cubicBezTo>
+                    <a:pt x="4" y="29"/>
+                    <a:pt x="11" y="36"/>
+                    <a:pt x="20" y="36"/>
+                  </a:cubicBezTo>
+                  <a:cubicBezTo>
+                    <a:pt x="29" y="36"/>
+                    <a:pt x="36" y="29"/>
+                    <a:pt x="36" y="20"/>
+                  </a:cubicBezTo>
+                  <a:cubicBezTo>
+                    <a:pt x="36" y="9"/>
+                    <a:pt x="31" y="4"/>
+                    <a:pt x="20" y="4"/>
+                  </a:cubicBezTo>
+                  <a:close/>
+                </a:path>
+              </a:pathLst>
+            </a:custGeom>
+            <a:grpFill/>
+            <a:ln>
+              <a:noFill/>
+            </a:ln>
+            <a:extLst>
+              <a:ext uri="{91240B29-F687-4f45-9708-019B960494DF}">
+                <a14:hiddenLine xmlns="" xmlns:a16="http://schemas.microsoft.com/office/drawing/2014/main" xmlns:p14="http://schemas.microsoft.com/office/powerpoint/2010/main" xmlns:a14="http://schemas.microsoft.com/office/drawing/2010/main" w="9525">
+                  <a:solidFill>
+                    <a:srgbClr val="000000"/>
+                  </a:solidFill>
+                  <a:round/>
+                  <a:headEnd/>
+                  <a:tailEnd/>
+                </a14:hiddenLine>
+              </a:ext>
+            </a:extLst>
+          </p:spPr>
+        </p:sp>
+        <p:sp>
+          <p:nvSpPr>
+            <p:cNvPr id="27" name="Freeform 13">
+              <a:extLst>
+                <a:ext uri="{FF2B5EF4-FFF2-40B4-BE49-F238E27FC236}">
+                  <a16:creationId xmlns:a16="http://schemas.microsoft.com/office/drawing/2014/main" id="{B8750F30-12E8-410B-8709-78F1EF3BBE78}"/>
+                </a:ext>
+                <a:ext uri="{C183D7F6-B498-43B3-948B-1728B52AA6E4}">
+                  <adec:decorative xmlns:adec="http://schemas.microsoft.com/office/drawing/2017/decorative" val="1"/>
+                </a:ext>
+              </a:extLst>
+            </p:cNvPr>
+            <p:cNvSpPr>
+              <a:spLocks noEditPoints="1"/>
+            </p:cNvSpPr>
+            <p:nvPr>
+              <p:extLst>
+                <p:ext uri="{386F3935-93C4-4BCD-93E2-E3B085C9AB24}">
+                  <p16:designElem xmlns:p16="http://schemas.microsoft.com/office/powerpoint/2015/main" val="1"/>
+                </p:ext>
+              </p:extLst>
+            </p:nvPr>
+          </p:nvSpPr>
+          <p:spPr bwMode="auto">
+            <a:xfrm>
+              <a:off x="588962" y="903288"/>
+              <a:ext cx="190500" cy="190500"/>
+            </a:xfrm>
+            <a:custGeom>
+              <a:avLst/>
+              <a:gdLst/>
+              <a:ahLst/>
+              <a:cxnLst/>
+              <a:rect l="0" t="0" r="r" b="b"/>
+              <a:pathLst>
+                <a:path w="40" h="40">
+                  <a:moveTo>
+                    <a:pt x="20" y="40"/>
+                  </a:moveTo>
+                  <a:cubicBezTo>
+                    <a:pt x="9" y="40"/>
+                    <a:pt x="0" y="31"/>
+                    <a:pt x="0" y="20"/>
+                  </a:cubicBezTo>
+                  <a:cubicBezTo>
+                    <a:pt x="0" y="9"/>
+                    <a:pt x="9" y="0"/>
+                    <a:pt x="20" y="0"/>
+                  </a:cubicBezTo>
+                  <a:cubicBezTo>
+                    <a:pt x="31" y="0"/>
+                    <a:pt x="40" y="9"/>
+                    <a:pt x="40" y="20"/>
+                  </a:cubicBezTo>
+                  <a:cubicBezTo>
+                    <a:pt x="40" y="31"/>
+                    <a:pt x="31" y="40"/>
+                    <a:pt x="20" y="40"/>
+                  </a:cubicBezTo>
+                  <a:close/>
+                  <a:moveTo>
+                    <a:pt x="20" y="4"/>
+                  </a:moveTo>
+                  <a:cubicBezTo>
+                    <a:pt x="11" y="4"/>
+                    <a:pt x="4" y="11"/>
+                    <a:pt x="4" y="20"/>
+                  </a:cubicBezTo>
+                  <a:cubicBezTo>
+                    <a:pt x="4" y="29"/>
+                    <a:pt x="11" y="36"/>
+                    <a:pt x="20" y="36"/>
+                  </a:cubicBezTo>
+                  <a:cubicBezTo>
+                    <a:pt x="29" y="36"/>
+                    <a:pt x="36" y="29"/>
+                    <a:pt x="36" y="20"/>
+                  </a:cubicBezTo>
+                  <a:cubicBezTo>
+                    <a:pt x="36" y="11"/>
+                    <a:pt x="29" y="4"/>
+                    <a:pt x="20" y="4"/>
+                  </a:cubicBezTo>
+                  <a:close/>
+                </a:path>
+              </a:pathLst>
+            </a:custGeom>
+            <a:grpFill/>
+            <a:ln>
+              <a:noFill/>
+            </a:ln>
+            <a:extLst>
+              <a:ext uri="{91240B29-F687-4f45-9708-019B960494DF}">
+                <a14:hiddenLine xmlns="" xmlns:a16="http://schemas.microsoft.com/office/drawing/2014/main" xmlns:p14="http://schemas.microsoft.com/office/powerpoint/2010/main" xmlns:a14="http://schemas.microsoft.com/office/drawing/2010/main" w="9525">
+                  <a:solidFill>
+                    <a:srgbClr val="000000"/>
+                  </a:solidFill>
+                  <a:round/>
+                  <a:headEnd/>
+                  <a:tailEnd/>
+                </a14:hiddenLine>
+              </a:ext>
+            </a:extLst>
+          </p:spPr>
+        </p:sp>
+        <p:sp>
+          <p:nvSpPr>
+            <p:cNvPr id="28" name="Freeform 14">
+              <a:extLst>
+                <a:ext uri="{FF2B5EF4-FFF2-40B4-BE49-F238E27FC236}">
+                  <a16:creationId xmlns:a16="http://schemas.microsoft.com/office/drawing/2014/main" id="{DB2D030A-4700-4CC4-A971-F119F8372C0A}"/>
+                </a:ext>
+                <a:ext uri="{C183D7F6-B498-43B3-948B-1728B52AA6E4}">
+                  <adec:decorative xmlns:adec="http://schemas.microsoft.com/office/drawing/2017/decorative" val="1"/>
+                </a:ext>
+              </a:extLst>
+            </p:cNvPr>
+            <p:cNvSpPr/>
+            <p:nvPr>
+              <p:extLst>
+                <p:ext uri="{386F3935-93C4-4BCD-93E2-E3B085C9AB24}">
+                  <p16:designElem xmlns:p16="http://schemas.microsoft.com/office/powerpoint/2015/main" val="1"/>
+                </p:ext>
+              </p:extLst>
+            </p:nvPr>
+          </p:nvSpPr>
+          <p:spPr bwMode="auto">
+            <a:xfrm>
+              <a:off x="641350" y="0"/>
+              <a:ext cx="422275" cy="527050"/>
+            </a:xfrm>
+            <a:custGeom>
+              <a:avLst/>
+              <a:gdLst/>
+              <a:ahLst/>
+              <a:cxnLst/>
+              <a:rect l="0" t="0" r="r" b="b"/>
+              <a:pathLst>
+                <a:path w="266" h="332">
+                  <a:moveTo>
+                    <a:pt x="257" y="332"/>
+                  </a:moveTo>
+                  <a:lnTo>
+                    <a:pt x="48" y="123"/>
+                  </a:lnTo>
+                  <a:lnTo>
+                    <a:pt x="0" y="6"/>
+                  </a:lnTo>
+                  <a:lnTo>
+                    <a:pt x="15" y="0"/>
+                  </a:lnTo>
+                  <a:lnTo>
+                    <a:pt x="63" y="114"/>
+                  </a:lnTo>
+                  <a:lnTo>
+                    <a:pt x="266" y="320"/>
+                  </a:lnTo>
+                  <a:lnTo>
+                    <a:pt x="257" y="332"/>
+                  </a:lnTo>
+                  <a:close/>
+                </a:path>
+              </a:pathLst>
+            </a:custGeom>
+            <a:grpFill/>
+            <a:ln>
+              <a:noFill/>
+            </a:ln>
+            <a:extLst>
+              <a:ext uri="{91240B29-F687-4f45-9708-019B960494DF}">
+                <a14:hiddenLine xmlns="" xmlns:a16="http://schemas.microsoft.com/office/drawing/2014/main" xmlns:p14="http://schemas.microsoft.com/office/powerpoint/2010/main" xmlns:a14="http://schemas.microsoft.com/office/drawing/2010/main" w="9525">
+                  <a:solidFill>
+                    <a:srgbClr val="000000"/>
+                  </a:solidFill>
+                  <a:round/>
+                  <a:headEnd/>
+                  <a:tailEnd/>
+                </a14:hiddenLine>
+              </a:ext>
+            </a:extLst>
+          </p:spPr>
+        </p:sp>
+        <p:sp>
+          <p:nvSpPr>
+            <p:cNvPr id="29" name="Freeform 15">
+              <a:extLst>
+                <a:ext uri="{FF2B5EF4-FFF2-40B4-BE49-F238E27FC236}">
+                  <a16:creationId xmlns:a16="http://schemas.microsoft.com/office/drawing/2014/main" id="{B4E516DB-F66E-4E88-8CAA-67153F56189D}"/>
+                </a:ext>
+                <a:ext uri="{C183D7F6-B498-43B3-948B-1728B52AA6E4}">
+                  <adec:decorative xmlns:adec="http://schemas.microsoft.com/office/drawing/2017/decorative" val="1"/>
+                </a:ext>
+              </a:extLst>
+            </p:cNvPr>
+            <p:cNvSpPr>
+              <a:spLocks noEditPoints="1"/>
+            </p:cNvSpPr>
+            <p:nvPr>
+              <p:extLst>
+                <p:ext uri="{386F3935-93C4-4BCD-93E2-E3B085C9AB24}">
+                  <p16:designElem xmlns:p16="http://schemas.microsoft.com/office/powerpoint/2015/main" val="1"/>
+                </p:ext>
+              </p:extLst>
+            </p:nvPr>
+          </p:nvSpPr>
+          <p:spPr bwMode="auto">
+            <a:xfrm>
+              <a:off x="1020762" y="488950"/>
+              <a:ext cx="161925" cy="147638"/>
+            </a:xfrm>
+            <a:custGeom>
+              <a:avLst/>
+              <a:gdLst/>
+              <a:ahLst/>
+              <a:cxnLst/>
+              <a:rect l="0" t="0" r="r" b="b"/>
+              <a:pathLst>
+                <a:path w="34" h="31">
+                  <a:moveTo>
+                    <a:pt x="17" y="31"/>
+                  </a:moveTo>
+                  <a:cubicBezTo>
+                    <a:pt x="13" y="31"/>
+                    <a:pt x="9" y="30"/>
+                    <a:pt x="6" y="27"/>
+                  </a:cubicBezTo>
+                  <a:cubicBezTo>
+                    <a:pt x="0" y="20"/>
+                    <a:pt x="0" y="10"/>
+                    <a:pt x="6" y="4"/>
+                  </a:cubicBezTo>
+                  <a:cubicBezTo>
+                    <a:pt x="9" y="1"/>
+                    <a:pt x="13" y="0"/>
+                    <a:pt x="17" y="0"/>
+                  </a:cubicBezTo>
+                  <a:cubicBezTo>
+                    <a:pt x="21" y="0"/>
+                    <a:pt x="25" y="1"/>
+                    <a:pt x="28" y="4"/>
+                  </a:cubicBezTo>
+                  <a:cubicBezTo>
+                    <a:pt x="34" y="10"/>
+                    <a:pt x="34" y="20"/>
+                    <a:pt x="28" y="27"/>
+                  </a:cubicBezTo>
+                  <a:cubicBezTo>
+                    <a:pt x="25" y="30"/>
+                    <a:pt x="21" y="31"/>
+                    <a:pt x="17" y="31"/>
+                  </a:cubicBezTo>
+                  <a:close/>
+                  <a:moveTo>
+                    <a:pt x="17" y="4"/>
+                  </a:moveTo>
+                  <a:cubicBezTo>
+                    <a:pt x="14" y="4"/>
+                    <a:pt x="11" y="5"/>
+                    <a:pt x="9" y="7"/>
+                  </a:cubicBezTo>
+                  <a:cubicBezTo>
+                    <a:pt x="4" y="12"/>
+                    <a:pt x="4" y="19"/>
+                    <a:pt x="9" y="24"/>
+                  </a:cubicBezTo>
+                  <a:cubicBezTo>
+                    <a:pt x="11" y="26"/>
+                    <a:pt x="14" y="27"/>
+                    <a:pt x="17" y="27"/>
+                  </a:cubicBezTo>
+                  <a:cubicBezTo>
+                    <a:pt x="20" y="27"/>
+                    <a:pt x="23" y="26"/>
+                    <a:pt x="25" y="24"/>
+                  </a:cubicBezTo>
+                  <a:cubicBezTo>
+                    <a:pt x="30" y="19"/>
+                    <a:pt x="30" y="12"/>
+                    <a:pt x="25" y="7"/>
+                  </a:cubicBezTo>
+                  <a:cubicBezTo>
+                    <a:pt x="23" y="5"/>
+                    <a:pt x="20" y="4"/>
+                    <a:pt x="17" y="4"/>
+                  </a:cubicBezTo>
+                  <a:close/>
+                </a:path>
+              </a:pathLst>
+            </a:custGeom>
+            <a:grpFill/>
+            <a:ln>
+              <a:noFill/>
+            </a:ln>
+            <a:extLst>
+              <a:ext uri="{91240B29-F687-4f45-9708-019B960494DF}">
+                <a14:hiddenLine xmlns="" xmlns:a16="http://schemas.microsoft.com/office/drawing/2014/main" xmlns:p14="http://schemas.microsoft.com/office/powerpoint/2010/main" xmlns:a14="http://schemas.microsoft.com/office/drawing/2010/main" w="9525">
+                  <a:solidFill>
+                    <a:srgbClr val="000000"/>
+                  </a:solidFill>
+                  <a:round/>
+                  <a:headEnd/>
+                  <a:tailEnd/>
+                </a14:hiddenLine>
+              </a:ext>
+            </a:extLst>
+          </p:spPr>
+        </p:sp>
+        <p:sp>
+          <p:nvSpPr>
+            <p:cNvPr id="30" name="Line 16">
+              <a:extLst>
+                <a:ext uri="{FF2B5EF4-FFF2-40B4-BE49-F238E27FC236}">
+                  <a16:creationId xmlns:a16="http://schemas.microsoft.com/office/drawing/2014/main" id="{DF749FDD-DD56-4DC9-A379-77E1106981DC}"/>
+                </a:ext>
+                <a:ext uri="{C183D7F6-B498-43B3-948B-1728B52AA6E4}">
+                  <adec:decorative xmlns:adec="http://schemas.microsoft.com/office/drawing/2017/decorative" val="1"/>
+                </a:ext>
+              </a:extLst>
+            </p:cNvPr>
+            <p:cNvSpPr>
+              <a:spLocks noChangeShapeType="1"/>
+            </p:cNvSpPr>
+            <p:nvPr>
+              <p:extLst>
+                <p:ext uri="{386F3935-93C4-4BCD-93E2-E3B085C9AB24}">
+                  <p16:designElem xmlns:p16="http://schemas.microsoft.com/office/powerpoint/2015/main" val="1"/>
+                </p:ext>
+              </p:extLst>
+            </p:nvPr>
+          </p:nvSpPr>
+          <p:spPr bwMode="auto">
+            <a:xfrm>
+              <a:off x="-4763" y="9525"/>
+              <a:ext cx="0" cy="0"/>
+            </a:xfrm>
+            <a:prstGeom prst="line">
+              <a:avLst/>
+            </a:prstGeom>
+            <a:grpFill/>
+            <a:ln w="15" cap="flat">
+              <a:solidFill>
+                <a:srgbClr val="FFFFFF"/>
+              </a:solidFill>
+              <a:prstDash val="solid"/>
+              <a:miter lim="800000"/>
+              <a:headEnd/>
+              <a:tailEnd/>
+            </a:ln>
+          </p:spPr>
+        </p:sp>
+        <p:sp>
+          <p:nvSpPr>
+            <p:cNvPr id="31" name="Freeform 17">
+              <a:extLst>
+                <a:ext uri="{FF2B5EF4-FFF2-40B4-BE49-F238E27FC236}">
+                  <a16:creationId xmlns:a16="http://schemas.microsoft.com/office/drawing/2014/main" id="{6AD95087-E0AF-45D3-B824-EFFCBBECDEB1}"/>
+                </a:ext>
+                <a:ext uri="{C183D7F6-B498-43B3-948B-1728B52AA6E4}">
+                  <adec:decorative xmlns:adec="http://schemas.microsoft.com/office/drawing/2017/decorative" val="1"/>
+                </a:ext>
+              </a:extLst>
+            </p:cNvPr>
+            <p:cNvSpPr/>
+            <p:nvPr>
+              <p:extLst>
+                <p:ext uri="{386F3935-93C4-4BCD-93E2-E3B085C9AB24}">
+                  <p16:designElem xmlns:p16="http://schemas.microsoft.com/office/powerpoint/2015/main" val="1"/>
+                </p:ext>
+              </p:extLst>
+            </p:nvPr>
+          </p:nvSpPr>
+          <p:spPr bwMode="auto">
+            <a:xfrm>
+              <a:off x="9525" y="1801813"/>
+              <a:ext cx="123825" cy="127000"/>
+            </a:xfrm>
+            <a:custGeom>
+              <a:avLst/>
+              <a:gdLst/>
+              <a:ahLst/>
+              <a:cxnLst/>
+              <a:rect l="0" t="0" r="r" b="b"/>
+              <a:pathLst>
+                <a:path w="78" h="80">
+                  <a:moveTo>
+                    <a:pt x="6" y="80"/>
+                  </a:moveTo>
+                  <a:lnTo>
+                    <a:pt x="0" y="71"/>
+                  </a:lnTo>
+                  <a:lnTo>
+                    <a:pt x="69" y="0"/>
+                  </a:lnTo>
+                  <a:lnTo>
+                    <a:pt x="78" y="9"/>
+                  </a:lnTo>
+                  <a:lnTo>
+                    <a:pt x="6" y="80"/>
+                  </a:lnTo>
+                  <a:close/>
+                </a:path>
+              </a:pathLst>
+            </a:custGeom>
+            <a:grpFill/>
+            <a:ln>
+              <a:noFill/>
+            </a:ln>
+            <a:extLst>
+              <a:ext uri="{91240B29-F687-4f45-9708-019B960494DF}">
+                <a14:hiddenLine xmlns="" xmlns:a16="http://schemas.microsoft.com/office/drawing/2014/main" xmlns:p14="http://schemas.microsoft.com/office/powerpoint/2010/main" xmlns:a14="http://schemas.microsoft.com/office/drawing/2010/main" w="9525">
+                  <a:solidFill>
+                    <a:srgbClr val="000000"/>
+                  </a:solidFill>
+                  <a:round/>
+                  <a:headEnd/>
+                  <a:tailEnd/>
+                </a14:hiddenLine>
+              </a:ext>
+            </a:extLst>
+          </p:spPr>
+        </p:sp>
+        <p:sp>
+          <p:nvSpPr>
+            <p:cNvPr id="32" name="Freeform 18">
+              <a:extLst>
+                <a:ext uri="{FF2B5EF4-FFF2-40B4-BE49-F238E27FC236}">
+                  <a16:creationId xmlns:a16="http://schemas.microsoft.com/office/drawing/2014/main" id="{2D21010F-3DE2-4881-B9D5-3415C4E05DAC}"/>
+                </a:ext>
+                <a:ext uri="{C183D7F6-B498-43B3-948B-1728B52AA6E4}">
+                  <adec:decorative xmlns:adec="http://schemas.microsoft.com/office/drawing/2017/decorative" val="1"/>
+                </a:ext>
+              </a:extLst>
+            </p:cNvPr>
+            <p:cNvSpPr/>
+            <p:nvPr>
+              <p:extLst>
+                <p:ext uri="{386F3935-93C4-4BCD-93E2-E3B085C9AB24}">
+                  <p16:designElem xmlns:p16="http://schemas.microsoft.com/office/powerpoint/2015/main" val="1"/>
+                </p:ext>
+              </p:extLst>
+            </p:nvPr>
+          </p:nvSpPr>
+          <p:spPr bwMode="auto">
+            <a:xfrm>
+              <a:off x="-9525" y="3549650"/>
+              <a:ext cx="147638" cy="481013"/>
+            </a:xfrm>
+            <a:custGeom>
+              <a:avLst/>
+              <a:gdLst/>
+              <a:ahLst/>
+              <a:cxnLst/>
+              <a:rect l="0" t="0" r="r" b="b"/>
+              <a:pathLst>
+                <a:path w="93" h="303">
+                  <a:moveTo>
+                    <a:pt x="93" y="303"/>
+                  </a:moveTo>
+                  <a:lnTo>
+                    <a:pt x="78" y="303"/>
+                  </a:lnTo>
+                  <a:lnTo>
+                    <a:pt x="78" y="78"/>
+                  </a:lnTo>
+                  <a:lnTo>
+                    <a:pt x="0" y="12"/>
+                  </a:lnTo>
+                  <a:lnTo>
+                    <a:pt x="12" y="0"/>
+                  </a:lnTo>
+                  <a:lnTo>
+                    <a:pt x="93" y="69"/>
+                  </a:lnTo>
+                  <a:lnTo>
+                    <a:pt x="93" y="303"/>
+                  </a:lnTo>
+                  <a:close/>
+                </a:path>
+              </a:pathLst>
+            </a:custGeom>
+            <a:grpFill/>
+            <a:ln>
+              <a:noFill/>
+            </a:ln>
+            <a:extLst>
+              <a:ext uri="{91240B29-F687-4f45-9708-019B960494DF}">
+                <a14:hiddenLine xmlns="" xmlns:a16="http://schemas.microsoft.com/office/drawing/2014/main" xmlns:p14="http://schemas.microsoft.com/office/powerpoint/2010/main" xmlns:a14="http://schemas.microsoft.com/office/drawing/2010/main" w="9525">
+                  <a:solidFill>
+                    <a:srgbClr val="000000"/>
+                  </a:solidFill>
+                  <a:round/>
+                  <a:headEnd/>
+                  <a:tailEnd/>
+                </a14:hiddenLine>
+              </a:ext>
+            </a:extLst>
+          </p:spPr>
+        </p:sp>
+        <p:sp>
+          <p:nvSpPr>
+            <p:cNvPr id="33" name="Freeform 19">
+              <a:extLst>
+                <a:ext uri="{FF2B5EF4-FFF2-40B4-BE49-F238E27FC236}">
+                  <a16:creationId xmlns:a16="http://schemas.microsoft.com/office/drawing/2014/main" id="{2AFDF4BC-8E99-4A2C-9EF2-4B98A05C2E3B}"/>
+                </a:ext>
+                <a:ext uri="{C183D7F6-B498-43B3-948B-1728B52AA6E4}">
+                  <adec:decorative xmlns:adec="http://schemas.microsoft.com/office/drawing/2017/decorative" val="1"/>
+                </a:ext>
+              </a:extLst>
+            </p:cNvPr>
+            <p:cNvSpPr/>
+            <p:nvPr>
+              <p:extLst>
+                <p:ext uri="{386F3935-93C4-4BCD-93E2-E3B085C9AB24}">
+                  <p16:designElem xmlns:p16="http://schemas.microsoft.com/office/powerpoint/2015/main" val="1"/>
+                </p:ext>
+              </p:extLst>
+            </p:nvPr>
+          </p:nvSpPr>
+          <p:spPr bwMode="auto">
+            <a:xfrm>
+              <a:off x="128587" y="1382713"/>
+              <a:ext cx="142875" cy="476250"/>
+            </a:xfrm>
+            <a:custGeom>
+              <a:avLst/>
+              <a:gdLst/>
+              <a:ahLst/>
+              <a:cxnLst/>
+              <a:rect l="0" t="0" r="r" b="b"/>
+              <a:pathLst>
+                <a:path w="90" h="300">
+                  <a:moveTo>
+                    <a:pt x="90" y="300"/>
+                  </a:moveTo>
+                  <a:lnTo>
+                    <a:pt x="78" y="300"/>
+                  </a:lnTo>
+                  <a:lnTo>
+                    <a:pt x="78" y="84"/>
+                  </a:lnTo>
+                  <a:lnTo>
+                    <a:pt x="0" y="9"/>
+                  </a:lnTo>
+                  <a:lnTo>
+                    <a:pt x="9" y="0"/>
+                  </a:lnTo>
+                  <a:lnTo>
+                    <a:pt x="90" y="81"/>
+                  </a:lnTo>
+                  <a:lnTo>
+                    <a:pt x="90" y="300"/>
+                  </a:lnTo>
+                  <a:close/>
+                </a:path>
+              </a:pathLst>
+            </a:custGeom>
+            <a:grpFill/>
+            <a:ln>
+              <a:noFill/>
+            </a:ln>
+            <a:extLst>
+              <a:ext uri="{91240B29-F687-4f45-9708-019B960494DF}">
+                <a14:hiddenLine xmlns="" xmlns:a16="http://schemas.microsoft.com/office/drawing/2014/main" xmlns:p14="http://schemas.microsoft.com/office/powerpoint/2010/main" xmlns:a14="http://schemas.microsoft.com/office/drawing/2010/main" w="9525">
+                  <a:solidFill>
+                    <a:srgbClr val="000000"/>
+                  </a:solidFill>
+                  <a:round/>
+                  <a:headEnd/>
+                  <a:tailEnd/>
+                </a14:hiddenLine>
+              </a:ext>
+            </a:extLst>
+          </p:spPr>
+        </p:sp>
+        <p:sp>
+          <p:nvSpPr>
+            <p:cNvPr id="34" name="Freeform 20">
+              <a:extLst>
+                <a:ext uri="{FF2B5EF4-FFF2-40B4-BE49-F238E27FC236}">
+                  <a16:creationId xmlns:a16="http://schemas.microsoft.com/office/drawing/2014/main" id="{BB8EAEE8-22EA-4103-A02E-5043474C4BE1}"/>
+                </a:ext>
+                <a:ext uri="{C183D7F6-B498-43B3-948B-1728B52AA6E4}">
+                  <adec:decorative xmlns:adec="http://schemas.microsoft.com/office/drawing/2017/decorative" val="1"/>
+                </a:ext>
+              </a:extLst>
+            </p:cNvPr>
+            <p:cNvSpPr>
+              <a:spLocks noEditPoints="1"/>
+            </p:cNvSpPr>
+            <p:nvPr>
+              <p:extLst>
+                <p:ext uri="{386F3935-93C4-4BCD-93E2-E3B085C9AB24}">
+                  <p16:designElem xmlns:p16="http://schemas.microsoft.com/office/powerpoint/2015/main" val="1"/>
+                </p:ext>
+              </p:extLst>
+            </p:nvPr>
+          </p:nvSpPr>
+          <p:spPr bwMode="auto">
+            <a:xfrm>
+              <a:off x="204787" y="1849438"/>
+              <a:ext cx="114300" cy="107950"/>
+            </a:xfrm>
+            <a:custGeom>
+              <a:avLst/>
+              <a:gdLst/>
+              <a:ahLst/>
+              <a:cxnLst/>
+              <a:rect l="0" t="0" r="r" b="b"/>
+              <a:pathLst>
+                <a:path w="24" h="23">
+                  <a:moveTo>
+                    <a:pt x="12" y="23"/>
+                  </a:moveTo>
+                  <a:cubicBezTo>
+                    <a:pt x="6" y="23"/>
+                    <a:pt x="0" y="18"/>
+                    <a:pt x="0" y="12"/>
+                  </a:cubicBezTo>
+                  <a:cubicBezTo>
+                    <a:pt x="0" y="5"/>
+                    <a:pt x="6" y="0"/>
+                    <a:pt x="12" y="0"/>
+                  </a:cubicBezTo>
+                  <a:cubicBezTo>
+                    <a:pt x="18" y="0"/>
+                    <a:pt x="24" y="5"/>
+                    <a:pt x="24" y="12"/>
+                  </a:cubicBezTo>
+                  <a:cubicBezTo>
+                    <a:pt x="24" y="18"/>
+                    <a:pt x="18" y="23"/>
+                    <a:pt x="12" y="23"/>
+                  </a:cubicBezTo>
+                  <a:close/>
+                  <a:moveTo>
+                    <a:pt x="12" y="4"/>
+                  </a:moveTo>
+                  <a:cubicBezTo>
+                    <a:pt x="8" y="4"/>
+                    <a:pt x="4" y="8"/>
+                    <a:pt x="4" y="12"/>
+                  </a:cubicBezTo>
+                  <a:cubicBezTo>
+                    <a:pt x="4" y="16"/>
+                    <a:pt x="8" y="19"/>
+                    <a:pt x="12" y="19"/>
+                  </a:cubicBezTo>
+                  <a:cubicBezTo>
+                    <a:pt x="16" y="19"/>
+                    <a:pt x="20" y="16"/>
+                    <a:pt x="20" y="12"/>
+                  </a:cubicBezTo>
+                  <a:cubicBezTo>
+                    <a:pt x="20" y="8"/>
+                    <a:pt x="16" y="4"/>
+                    <a:pt x="12" y="4"/>
+                  </a:cubicBezTo>
+                  <a:close/>
+                </a:path>
+              </a:pathLst>
+            </a:custGeom>
+            <a:grpFill/>
+            <a:ln>
+              <a:noFill/>
+            </a:ln>
+            <a:extLst>
+              <a:ext uri="{91240B29-F687-4f45-9708-019B960494DF}">
+                <a14:hiddenLine xmlns="" xmlns:a16="http://schemas.microsoft.com/office/drawing/2014/main" xmlns:p14="http://schemas.microsoft.com/office/powerpoint/2010/main" xmlns:a14="http://schemas.microsoft.com/office/drawing/2010/main" w="9525">
+                  <a:solidFill>
+                    <a:srgbClr val="000000"/>
+                  </a:solidFill>
+                  <a:round/>
+                  <a:headEnd/>
+                  <a:tailEnd/>
+                </a14:hiddenLine>
+              </a:ext>
+            </a:extLst>
+          </p:spPr>
+        </p:sp>
+        <p:sp>
+          <p:nvSpPr>
+            <p:cNvPr id="35" name="Rectangle 21">
+              <a:extLst>
+                <a:ext uri="{FF2B5EF4-FFF2-40B4-BE49-F238E27FC236}">
+                  <a16:creationId xmlns:a16="http://schemas.microsoft.com/office/drawing/2014/main" id="{7148ABD2-E447-429F-B97E-86494051C101}"/>
+                </a:ext>
+                <a:ext uri="{C183D7F6-B498-43B3-948B-1728B52AA6E4}">
+                  <adec:decorative xmlns:adec="http://schemas.microsoft.com/office/drawing/2017/decorative" val="1"/>
+                </a:ext>
+              </a:extLst>
+            </p:cNvPr>
+            <p:cNvSpPr>
+              <a:spLocks noChangeArrowheads="1"/>
+            </p:cNvSpPr>
+            <p:nvPr>
+              <p:extLst>
+                <p:ext uri="{386F3935-93C4-4BCD-93E2-E3B085C9AB24}">
+                  <p16:designElem xmlns:p16="http://schemas.microsoft.com/office/powerpoint/2015/main" val="1"/>
+                </p:ext>
+              </p:extLst>
+            </p:nvPr>
+          </p:nvSpPr>
+          <p:spPr bwMode="auto">
+            <a:xfrm>
+              <a:off x="133350" y="4662488"/>
+              <a:ext cx="23813" cy="2181225"/>
+            </a:xfrm>
+            <a:prstGeom prst="rect">
+              <a:avLst/>
+            </a:prstGeom>
+            <a:grpFill/>
+            <a:ln>
+              <a:noFill/>
+            </a:ln>
+            <a:extLst>
+              <a:ext uri="{91240B29-F687-4f45-9708-019B960494DF}">
+                <a14:hiddenLine xmlns="" xmlns:a16="http://schemas.microsoft.com/office/drawing/2014/main" xmlns:p14="http://schemas.microsoft.com/office/powerpoint/2010/main" xmlns:a14="http://schemas.microsoft.com/office/drawing/2010/main" w="9525">
+                  <a:solidFill>
+                    <a:srgbClr val="000000"/>
+                  </a:solidFill>
+                  <a:miter lim="800000"/>
+                  <a:headEnd/>
+                  <a:tailEnd/>
+                </a14:hiddenLine>
+              </a:ext>
+            </a:extLst>
+          </p:spPr>
+        </p:sp>
+        <p:sp>
+          <p:nvSpPr>
+            <p:cNvPr id="36" name="Freeform 22">
+              <a:extLst>
+                <a:ext uri="{FF2B5EF4-FFF2-40B4-BE49-F238E27FC236}">
+                  <a16:creationId xmlns:a16="http://schemas.microsoft.com/office/drawing/2014/main" id="{99900F4A-F8CA-456E-9FA0-34572621C09B}"/>
+                </a:ext>
+                <a:ext uri="{C183D7F6-B498-43B3-948B-1728B52AA6E4}">
+                  <adec:decorative xmlns:adec="http://schemas.microsoft.com/office/drawing/2017/decorative" val="1"/>
+                </a:ext>
+              </a:extLst>
+            </p:cNvPr>
+            <p:cNvSpPr/>
+            <p:nvPr>
+              <p:extLst>
+                <p:ext uri="{386F3935-93C4-4BCD-93E2-E3B085C9AB24}">
+                  <p16:designElem xmlns:p16="http://schemas.microsoft.com/office/powerpoint/2015/main" val="1"/>
+                </p:ext>
+              </p:extLst>
+            </p:nvPr>
+          </p:nvSpPr>
+          <p:spPr bwMode="auto">
+            <a:xfrm>
+              <a:off x="223837" y="5041900"/>
+              <a:ext cx="369888" cy="1801813"/>
+            </a:xfrm>
+            <a:custGeom>
+              <a:avLst/>
+              <a:gdLst/>
+              <a:ahLst/>
+              <a:cxnLst/>
+              <a:rect l="0" t="0" r="r" b="b"/>
+              <a:pathLst>
+                <a:path w="233" h="1135">
+                  <a:moveTo>
+                    <a:pt x="15" y="1135"/>
+                  </a:moveTo>
+                  <a:lnTo>
+                    <a:pt x="0" y="1135"/>
+                  </a:lnTo>
+                  <a:lnTo>
+                    <a:pt x="0" y="515"/>
+                  </a:lnTo>
+                  <a:lnTo>
+                    <a:pt x="0" y="512"/>
+                  </a:lnTo>
+                  <a:lnTo>
+                    <a:pt x="218" y="0"/>
+                  </a:lnTo>
+                  <a:lnTo>
+                    <a:pt x="233" y="6"/>
+                  </a:lnTo>
+                  <a:lnTo>
+                    <a:pt x="15" y="518"/>
+                  </a:lnTo>
+                  <a:lnTo>
+                    <a:pt x="15" y="1135"/>
+                  </a:lnTo>
+                  <a:close/>
+                </a:path>
+              </a:pathLst>
+            </a:custGeom>
+            <a:grpFill/>
+            <a:ln>
+              <a:noFill/>
+            </a:ln>
+            <a:extLst>
+              <a:ext uri="{91240B29-F687-4f45-9708-019B960494DF}">
+                <a14:hiddenLine xmlns="" xmlns:a16="http://schemas.microsoft.com/office/drawing/2014/main" xmlns:p14="http://schemas.microsoft.com/office/powerpoint/2010/main" xmlns:a14="http://schemas.microsoft.com/office/drawing/2010/main" w="9525">
+                  <a:solidFill>
+                    <a:srgbClr val="000000"/>
+                  </a:solidFill>
+                  <a:round/>
+                  <a:headEnd/>
+                  <a:tailEnd/>
+                </a14:hiddenLine>
+              </a:ext>
+            </a:extLst>
+          </p:spPr>
+        </p:sp>
+        <p:sp>
+          <p:nvSpPr>
+            <p:cNvPr id="37" name="Freeform 23">
+              <a:extLst>
+                <a:ext uri="{FF2B5EF4-FFF2-40B4-BE49-F238E27FC236}">
+                  <a16:creationId xmlns:a16="http://schemas.microsoft.com/office/drawing/2014/main" id="{DF5CD0A9-E49B-4968-886B-41C1A66D2329}"/>
+                </a:ext>
+                <a:ext uri="{C183D7F6-B498-43B3-948B-1728B52AA6E4}">
+                  <adec:decorative xmlns:adec="http://schemas.microsoft.com/office/drawing/2017/decorative" val="1"/>
+                </a:ext>
+              </a:extLst>
+            </p:cNvPr>
+            <p:cNvSpPr>
+              <a:spLocks noEditPoints="1"/>
+            </p:cNvSpPr>
+            <p:nvPr>
+              <p:extLst>
+                <p:ext uri="{386F3935-93C4-4BCD-93E2-E3B085C9AB24}">
+                  <p16:designElem xmlns:p16="http://schemas.microsoft.com/office/powerpoint/2015/main" val="1"/>
+                </p:ext>
+              </p:extLst>
+            </p:nvPr>
+          </p:nvSpPr>
+          <p:spPr bwMode="auto">
+            <a:xfrm>
+              <a:off x="52387" y="4481513"/>
+              <a:ext cx="190500" cy="190500"/>
+            </a:xfrm>
+            <a:custGeom>
+              <a:avLst/>
+              <a:gdLst/>
+              <a:ahLst/>
+              <a:cxnLst/>
+              <a:rect l="0" t="0" r="r" b="b"/>
+              <a:pathLst>
+                <a:path w="40" h="40">
+                  <a:moveTo>
+                    <a:pt x="20" y="40"/>
+                  </a:moveTo>
+                  <a:cubicBezTo>
+                    <a:pt x="9" y="40"/>
+                    <a:pt x="0" y="31"/>
+                    <a:pt x="0" y="20"/>
+                  </a:cubicBezTo>
+                  <a:cubicBezTo>
+                    <a:pt x="0" y="9"/>
+                    <a:pt x="9" y="0"/>
+                    <a:pt x="20" y="0"/>
+                  </a:cubicBezTo>
+                  <a:cubicBezTo>
+                    <a:pt x="31" y="0"/>
+                    <a:pt x="40" y="9"/>
+                    <a:pt x="40" y="20"/>
+                  </a:cubicBezTo>
+                  <a:cubicBezTo>
+                    <a:pt x="40" y="31"/>
+                    <a:pt x="31" y="40"/>
+                    <a:pt x="20" y="40"/>
+                  </a:cubicBezTo>
+                  <a:close/>
+                  <a:moveTo>
+                    <a:pt x="20" y="4"/>
+                  </a:moveTo>
+                  <a:cubicBezTo>
+                    <a:pt x="11" y="4"/>
+                    <a:pt x="4" y="11"/>
+                    <a:pt x="4" y="20"/>
+                  </a:cubicBezTo>
+                  <a:cubicBezTo>
+                    <a:pt x="4" y="29"/>
+                    <a:pt x="11" y="36"/>
+                    <a:pt x="20" y="36"/>
+                  </a:cubicBezTo>
+                  <a:cubicBezTo>
+                    <a:pt x="28" y="36"/>
+                    <a:pt x="36" y="29"/>
+                    <a:pt x="36" y="20"/>
+                  </a:cubicBezTo>
+                  <a:cubicBezTo>
+                    <a:pt x="36" y="11"/>
+                    <a:pt x="28" y="4"/>
+                    <a:pt x="20" y="4"/>
+                  </a:cubicBezTo>
+                  <a:close/>
+                </a:path>
+              </a:pathLst>
+            </a:custGeom>
+            <a:grpFill/>
+            <a:ln>
+              <a:noFill/>
+            </a:ln>
+            <a:extLst>
+              <a:ext uri="{91240B29-F687-4f45-9708-019B960494DF}">
+                <a14:hiddenLine xmlns="" xmlns:a16="http://schemas.microsoft.com/office/drawing/2014/main" xmlns:p14="http://schemas.microsoft.com/office/powerpoint/2010/main" xmlns:a14="http://schemas.microsoft.com/office/drawing/2010/main" w="9525">
+                  <a:solidFill>
+                    <a:srgbClr val="000000"/>
+                  </a:solidFill>
+                  <a:round/>
+                  <a:headEnd/>
+                  <a:tailEnd/>
+                </a14:hiddenLine>
+              </a:ext>
+            </a:extLst>
+          </p:spPr>
+        </p:sp>
+        <p:sp>
+          <p:nvSpPr>
+            <p:cNvPr id="38" name="Freeform 24">
+              <a:extLst>
+                <a:ext uri="{FF2B5EF4-FFF2-40B4-BE49-F238E27FC236}">
+                  <a16:creationId xmlns:a16="http://schemas.microsoft.com/office/drawing/2014/main" id="{7E462582-7383-4272-A323-85C9D137C47C}"/>
+                </a:ext>
+                <a:ext uri="{C183D7F6-B498-43B3-948B-1728B52AA6E4}">
+                  <adec:decorative xmlns:adec="http://schemas.microsoft.com/office/drawing/2017/decorative" val="1"/>
+                </a:ext>
+              </a:extLst>
+            </p:cNvPr>
+            <p:cNvSpPr/>
+            <p:nvPr>
+              <p:extLst>
+                <p:ext uri="{386F3935-93C4-4BCD-93E2-E3B085C9AB24}">
+                  <p16:designElem xmlns:p16="http://schemas.microsoft.com/office/powerpoint/2015/main" val="1"/>
+                </p:ext>
+              </p:extLst>
+            </p:nvPr>
+          </p:nvSpPr>
+          <p:spPr bwMode="auto">
+            <a:xfrm>
+              <a:off x="-14288" y="5627688"/>
+              <a:ext cx="85725" cy="1216025"/>
+            </a:xfrm>
+            <a:custGeom>
+              <a:avLst/>
+              <a:gdLst/>
+              <a:ahLst/>
+              <a:cxnLst/>
+              <a:rect l="0" t="0" r="r" b="b"/>
+              <a:pathLst>
+                <a:path w="54" h="766">
+                  <a:moveTo>
+                    <a:pt x="54" y="766"/>
+                  </a:moveTo>
+                  <a:lnTo>
+                    <a:pt x="36" y="766"/>
+                  </a:lnTo>
+                  <a:lnTo>
+                    <a:pt x="36" y="149"/>
+                  </a:lnTo>
+                  <a:lnTo>
+                    <a:pt x="0" y="3"/>
+                  </a:lnTo>
+                  <a:lnTo>
+                    <a:pt x="18" y="0"/>
+                  </a:lnTo>
+                  <a:lnTo>
+                    <a:pt x="54" y="146"/>
+                  </a:lnTo>
+                  <a:lnTo>
+                    <a:pt x="54" y="766"/>
+                  </a:lnTo>
+                  <a:close/>
+                </a:path>
+              </a:pathLst>
+            </a:custGeom>
+            <a:grpFill/>
+            <a:ln>
+              <a:noFill/>
+            </a:ln>
+            <a:extLst>
+              <a:ext uri="{91240B29-F687-4f45-9708-019B960494DF}">
+                <a14:hiddenLine xmlns="" xmlns:a16="http://schemas.microsoft.com/office/drawing/2014/main" xmlns:p14="http://schemas.microsoft.com/office/powerpoint/2010/main" xmlns:a14="http://schemas.microsoft.com/office/drawing/2010/main" w="9525">
+                  <a:solidFill>
+                    <a:srgbClr val="000000"/>
+                  </a:solidFill>
+                  <a:round/>
+                  <a:headEnd/>
+                  <a:tailEnd/>
+                </a14:hiddenLine>
+              </a:ext>
+            </a:extLst>
+          </p:spPr>
+        </p:sp>
+        <p:sp>
+          <p:nvSpPr>
+            <p:cNvPr id="39" name="Freeform 25">
+              <a:extLst>
+                <a:ext uri="{FF2B5EF4-FFF2-40B4-BE49-F238E27FC236}">
+                  <a16:creationId xmlns:a16="http://schemas.microsoft.com/office/drawing/2014/main" id="{CB472F67-7C37-4D80-B346-DE30D44B55A0}"/>
+                </a:ext>
+                <a:ext uri="{C183D7F6-B498-43B3-948B-1728B52AA6E4}">
+                  <adec:decorative xmlns:adec="http://schemas.microsoft.com/office/drawing/2017/decorative" val="1"/>
+                </a:ext>
+              </a:extLst>
+            </p:cNvPr>
+            <p:cNvSpPr>
+              <a:spLocks noEditPoints="1"/>
+            </p:cNvSpPr>
+            <p:nvPr>
+              <p:extLst>
+                <p:ext uri="{386F3935-93C4-4BCD-93E2-E3B085C9AB24}">
+                  <p16:designElem xmlns:p16="http://schemas.microsoft.com/office/powerpoint/2015/main" val="1"/>
+                </p:ext>
+              </p:extLst>
+            </p:nvPr>
+          </p:nvSpPr>
+          <p:spPr bwMode="auto">
+            <a:xfrm>
+              <a:off x="527050" y="4867275"/>
+              <a:ext cx="190500" cy="188913"/>
+            </a:xfrm>
+            <a:custGeom>
+              <a:avLst/>
+              <a:gdLst/>
+              <a:ahLst/>
+              <a:cxnLst/>
+              <a:rect l="0" t="0" r="r" b="b"/>
+              <a:pathLst>
+                <a:path w="40" h="40">
+                  <a:moveTo>
+                    <a:pt x="20" y="40"/>
+                  </a:moveTo>
+                  <a:cubicBezTo>
+                    <a:pt x="9" y="40"/>
+                    <a:pt x="0" y="31"/>
+                    <a:pt x="0" y="20"/>
+                  </a:cubicBezTo>
+                  <a:cubicBezTo>
+                    <a:pt x="0" y="9"/>
+                    <a:pt x="9" y="0"/>
+                    <a:pt x="20" y="0"/>
+                  </a:cubicBezTo>
+                  <a:cubicBezTo>
+                    <a:pt x="31" y="0"/>
+                    <a:pt x="40" y="9"/>
+                    <a:pt x="40" y="20"/>
+                  </a:cubicBezTo>
+                  <a:cubicBezTo>
+                    <a:pt x="40" y="31"/>
+                    <a:pt x="31" y="40"/>
+                    <a:pt x="20" y="40"/>
+                  </a:cubicBezTo>
+                  <a:close/>
+                  <a:moveTo>
+                    <a:pt x="20" y="4"/>
+                  </a:moveTo>
+                  <a:cubicBezTo>
+                    <a:pt x="11" y="4"/>
+                    <a:pt x="4" y="11"/>
+                    <a:pt x="4" y="20"/>
+                  </a:cubicBezTo>
+                  <a:cubicBezTo>
+                    <a:pt x="4" y="29"/>
+                    <a:pt x="11" y="36"/>
+                    <a:pt x="20" y="36"/>
+                  </a:cubicBezTo>
+                  <a:cubicBezTo>
+                    <a:pt x="29" y="36"/>
+                    <a:pt x="36" y="29"/>
+                    <a:pt x="36" y="20"/>
+                  </a:cubicBezTo>
+                  <a:cubicBezTo>
+                    <a:pt x="36" y="11"/>
+                    <a:pt x="29" y="4"/>
+                    <a:pt x="20" y="4"/>
+                  </a:cubicBezTo>
+                  <a:close/>
+                </a:path>
+              </a:pathLst>
+            </a:custGeom>
+            <a:grpFill/>
+            <a:ln>
+              <a:noFill/>
+            </a:ln>
+            <a:extLst>
+              <a:ext uri="{91240B29-F687-4f45-9708-019B960494DF}">
+                <a14:hiddenLine xmlns="" xmlns:a16="http://schemas.microsoft.com/office/drawing/2014/main" xmlns:p14="http://schemas.microsoft.com/office/powerpoint/2010/main" xmlns:a14="http://schemas.microsoft.com/office/drawing/2010/main" w="9525">
+                  <a:solidFill>
+                    <a:srgbClr val="000000"/>
+                  </a:solidFill>
+                  <a:round/>
+                  <a:headEnd/>
+                  <a:tailEnd/>
+                </a14:hiddenLine>
+              </a:ext>
+            </a:extLst>
+          </p:spPr>
+        </p:sp>
+        <p:sp>
+          <p:nvSpPr>
+            <p:cNvPr id="40" name="Freeform 26">
+              <a:extLst>
+                <a:ext uri="{FF2B5EF4-FFF2-40B4-BE49-F238E27FC236}">
+                  <a16:creationId xmlns:a16="http://schemas.microsoft.com/office/drawing/2014/main" id="{19A8AE83-358F-4D4E-91C7-F09E35097AA1}"/>
+                </a:ext>
+                <a:ext uri="{C183D7F6-B498-43B3-948B-1728B52AA6E4}">
+                  <adec:decorative xmlns:adec="http://schemas.microsoft.com/office/drawing/2017/decorative" val="1"/>
+                </a:ext>
+              </a:extLst>
+            </p:cNvPr>
+            <p:cNvSpPr/>
+            <p:nvPr>
+              <p:extLst>
+                <p:ext uri="{386F3935-93C4-4BCD-93E2-E3B085C9AB24}">
+                  <p16:designElem xmlns:p16="http://schemas.microsoft.com/office/powerpoint/2015/main" val="1"/>
+                </p:ext>
+              </p:extLst>
+            </p:nvPr>
+          </p:nvSpPr>
+          <p:spPr bwMode="auto">
+            <a:xfrm>
+              <a:off x="309562" y="5422900"/>
+              <a:ext cx="374650" cy="1425575"/>
+            </a:xfrm>
+            <a:custGeom>
+              <a:avLst/>
+              <a:gdLst/>
+              <a:ahLst/>
+              <a:cxnLst/>
+              <a:rect l="0" t="0" r="r" b="b"/>
+              <a:pathLst>
+                <a:path w="236" h="898">
+                  <a:moveTo>
+                    <a:pt x="18" y="898"/>
+                  </a:moveTo>
+                  <a:lnTo>
+                    <a:pt x="0" y="898"/>
+                  </a:lnTo>
+                  <a:lnTo>
+                    <a:pt x="0" y="515"/>
+                  </a:lnTo>
+                  <a:lnTo>
+                    <a:pt x="3" y="512"/>
+                  </a:lnTo>
+                  <a:lnTo>
+                    <a:pt x="221" y="0"/>
+                  </a:lnTo>
+                  <a:lnTo>
+                    <a:pt x="236" y="6"/>
+                  </a:lnTo>
+                  <a:lnTo>
+                    <a:pt x="18" y="518"/>
+                  </a:lnTo>
+                  <a:lnTo>
+                    <a:pt x="18" y="898"/>
+                  </a:lnTo>
+                  <a:close/>
+                </a:path>
+              </a:pathLst>
+            </a:custGeom>
+            <a:grpFill/>
+            <a:ln>
+              <a:noFill/>
+            </a:ln>
+            <a:extLst>
+              <a:ext uri="{91240B29-F687-4f45-9708-019B960494DF}">
+                <a14:hiddenLine xmlns="" xmlns:a16="http://schemas.microsoft.com/office/drawing/2014/main" xmlns:p14="http://schemas.microsoft.com/office/powerpoint/2010/main" xmlns:a14="http://schemas.microsoft.com/office/drawing/2010/main" w="9525">
+                  <a:solidFill>
+                    <a:srgbClr val="000000"/>
+                  </a:solidFill>
+                  <a:round/>
+                  <a:headEnd/>
+                  <a:tailEnd/>
+                </a14:hiddenLine>
+              </a:ext>
+            </a:extLst>
+          </p:spPr>
+        </p:sp>
+        <p:sp>
+          <p:nvSpPr>
+            <p:cNvPr id="41" name="Freeform 27">
+              <a:extLst>
+                <a:ext uri="{FF2B5EF4-FFF2-40B4-BE49-F238E27FC236}">
+                  <a16:creationId xmlns:a16="http://schemas.microsoft.com/office/drawing/2014/main" id="{C4B79436-9285-45DE-A9FB-B3DD7507380C}"/>
+                </a:ext>
+                <a:ext uri="{C183D7F6-B498-43B3-948B-1728B52AA6E4}">
+                  <adec:decorative xmlns:adec="http://schemas.microsoft.com/office/drawing/2017/decorative" val="1"/>
+                </a:ext>
+              </a:extLst>
+            </p:cNvPr>
+            <p:cNvSpPr/>
+            <p:nvPr>
+              <p:extLst>
+                <p:ext uri="{386F3935-93C4-4BCD-93E2-E3B085C9AB24}">
+                  <p16:designElem xmlns:p16="http://schemas.microsoft.com/office/powerpoint/2015/main" val="1"/>
+                </p:ext>
+              </p:extLst>
+            </p:nvPr>
+          </p:nvSpPr>
+          <p:spPr bwMode="auto">
+            <a:xfrm>
+              <a:off x="569912" y="5945188"/>
+              <a:ext cx="152400" cy="912813"/>
+            </a:xfrm>
+            <a:custGeom>
+              <a:avLst/>
+              <a:gdLst/>
+              <a:ahLst/>
+              <a:cxnLst/>
+              <a:rect l="0" t="0" r="r" b="b"/>
+              <a:pathLst>
+                <a:path w="96" h="575">
+                  <a:moveTo>
+                    <a:pt x="15" y="575"/>
+                  </a:moveTo>
+                  <a:lnTo>
+                    <a:pt x="0" y="569"/>
+                  </a:lnTo>
+                  <a:lnTo>
+                    <a:pt x="81" y="383"/>
+                  </a:lnTo>
+                  <a:lnTo>
+                    <a:pt x="81" y="0"/>
+                  </a:lnTo>
+                  <a:lnTo>
+                    <a:pt x="96" y="0"/>
+                  </a:lnTo>
+                  <a:lnTo>
+                    <a:pt x="96" y="386"/>
+                  </a:lnTo>
+                  <a:lnTo>
+                    <a:pt x="15" y="575"/>
+                  </a:lnTo>
+                  <a:close/>
+                </a:path>
+              </a:pathLst>
+            </a:custGeom>
+            <a:grpFill/>
+            <a:ln>
+              <a:noFill/>
+            </a:ln>
+            <a:extLst>
+              <a:ext uri="{91240B29-F687-4f45-9708-019B960494DF}">
+                <a14:hiddenLine xmlns="" xmlns:a16="http://schemas.microsoft.com/office/drawing/2014/main" xmlns:p14="http://schemas.microsoft.com/office/powerpoint/2010/main" xmlns:a14="http://schemas.microsoft.com/office/drawing/2010/main" w="9525">
+                  <a:solidFill>
+                    <a:srgbClr val="000000"/>
+                  </a:solidFill>
+                  <a:round/>
+                  <a:headEnd/>
+                  <a:tailEnd/>
+                </a14:hiddenLine>
+              </a:ext>
+            </a:extLst>
+          </p:spPr>
+        </p:sp>
+        <p:sp>
+          <p:nvSpPr>
+            <p:cNvPr id="42" name="Freeform 28">
+              <a:extLst>
+                <a:ext uri="{FF2B5EF4-FFF2-40B4-BE49-F238E27FC236}">
+                  <a16:creationId xmlns:a16="http://schemas.microsoft.com/office/drawing/2014/main" id="{B0BF8BF3-C90A-483A-B61E-13D2C41FBAC5}"/>
+                </a:ext>
+                <a:ext uri="{C183D7F6-B498-43B3-948B-1728B52AA6E4}">
+                  <adec:decorative xmlns:adec="http://schemas.microsoft.com/office/drawing/2017/decorative" val="1"/>
+                </a:ext>
+              </a:extLst>
+            </p:cNvPr>
+            <p:cNvSpPr>
+              <a:spLocks noEditPoints="1"/>
+            </p:cNvSpPr>
+            <p:nvPr>
+              <p:extLst>
+                <p:ext uri="{386F3935-93C4-4BCD-93E2-E3B085C9AB24}">
+                  <p16:designElem xmlns:p16="http://schemas.microsoft.com/office/powerpoint/2015/main" val="1"/>
+                </p:ext>
+              </p:extLst>
+            </p:nvPr>
+          </p:nvSpPr>
+          <p:spPr bwMode="auto">
+            <a:xfrm>
+              <a:off x="612775" y="5246688"/>
+              <a:ext cx="190500" cy="190500"/>
+            </a:xfrm>
+            <a:custGeom>
+              <a:avLst/>
+              <a:gdLst/>
+              <a:ahLst/>
+              <a:cxnLst/>
+              <a:rect l="0" t="0" r="r" b="b"/>
+              <a:pathLst>
+                <a:path w="40" h="40">
+                  <a:moveTo>
+                    <a:pt x="20" y="40"/>
+                  </a:moveTo>
+                  <a:cubicBezTo>
+                    <a:pt x="9" y="40"/>
+                    <a:pt x="0" y="31"/>
+                    <a:pt x="0" y="20"/>
+                  </a:cubicBezTo>
+                  <a:cubicBezTo>
+                    <a:pt x="0" y="9"/>
+                    <a:pt x="9" y="0"/>
+                    <a:pt x="20" y="0"/>
+                  </a:cubicBezTo>
+                  <a:cubicBezTo>
+                    <a:pt x="31" y="0"/>
+                    <a:pt x="40" y="9"/>
+                    <a:pt x="40" y="20"/>
+                  </a:cubicBezTo>
+                  <a:cubicBezTo>
+                    <a:pt x="40" y="31"/>
+                    <a:pt x="31" y="40"/>
+                    <a:pt x="20" y="40"/>
+                  </a:cubicBezTo>
+                  <a:close/>
+                  <a:moveTo>
+                    <a:pt x="20" y="4"/>
+                  </a:moveTo>
+                  <a:cubicBezTo>
+                    <a:pt x="12" y="4"/>
+                    <a:pt x="4" y="11"/>
+                    <a:pt x="4" y="20"/>
+                  </a:cubicBezTo>
+                  <a:cubicBezTo>
+                    <a:pt x="4" y="29"/>
+                    <a:pt x="12" y="36"/>
+                    <a:pt x="20" y="36"/>
+                  </a:cubicBezTo>
+                  <a:cubicBezTo>
+                    <a:pt x="29" y="36"/>
+                    <a:pt x="36" y="29"/>
+                    <a:pt x="36" y="20"/>
+                  </a:cubicBezTo>
+                  <a:cubicBezTo>
+                    <a:pt x="36" y="11"/>
+                    <a:pt x="29" y="4"/>
+                    <a:pt x="20" y="4"/>
+                  </a:cubicBezTo>
+                  <a:close/>
+                </a:path>
+              </a:pathLst>
+            </a:custGeom>
+            <a:grpFill/>
+            <a:ln>
+              <a:noFill/>
+            </a:ln>
+            <a:extLst>
+              <a:ext uri="{91240B29-F687-4f45-9708-019B960494DF}">
+                <a14:hiddenLine xmlns="" xmlns:a16="http://schemas.microsoft.com/office/drawing/2014/main" xmlns:p14="http://schemas.microsoft.com/office/powerpoint/2010/main" xmlns:a14="http://schemas.microsoft.com/office/drawing/2010/main" w="9525">
+                  <a:solidFill>
+                    <a:srgbClr val="000000"/>
+                  </a:solidFill>
+                  <a:round/>
+                  <a:headEnd/>
+                  <a:tailEnd/>
+                </a14:hiddenLine>
+              </a:ext>
+            </a:extLst>
+          </p:spPr>
+        </p:sp>
+        <p:sp>
+          <p:nvSpPr>
+            <p:cNvPr id="43" name="Freeform 29">
+              <a:extLst>
+                <a:ext uri="{FF2B5EF4-FFF2-40B4-BE49-F238E27FC236}">
+                  <a16:creationId xmlns:a16="http://schemas.microsoft.com/office/drawing/2014/main" id="{31011274-F329-444B-9B06-69DD2EC44907}"/>
+                </a:ext>
+                <a:ext uri="{C183D7F6-B498-43B3-948B-1728B52AA6E4}">
+                  <adec:decorative xmlns:adec="http://schemas.microsoft.com/office/drawing/2017/decorative" val="1"/>
+                </a:ext>
+              </a:extLst>
+            </p:cNvPr>
+            <p:cNvSpPr>
+              <a:spLocks noEditPoints="1"/>
+            </p:cNvSpPr>
+            <p:nvPr>
+              <p:extLst>
+                <p:ext uri="{386F3935-93C4-4BCD-93E2-E3B085C9AB24}">
+                  <p16:designElem xmlns:p16="http://schemas.microsoft.com/office/powerpoint/2015/main" val="1"/>
+                </p:ext>
+              </p:extLst>
+            </p:nvPr>
+          </p:nvSpPr>
+          <p:spPr bwMode="auto">
+            <a:xfrm>
+              <a:off x="612775" y="5764213"/>
+              <a:ext cx="190500" cy="190500"/>
+            </a:xfrm>
+            <a:custGeom>
+              <a:avLst/>
+              <a:gdLst/>
+              <a:ahLst/>
+              <a:cxnLst/>
+              <a:rect l="0" t="0" r="r" b="b"/>
+              <a:pathLst>
+                <a:path w="40" h="40">
+                  <a:moveTo>
+                    <a:pt x="20" y="40"/>
+                  </a:moveTo>
+                  <a:cubicBezTo>
+                    <a:pt x="9" y="40"/>
+                    <a:pt x="0" y="31"/>
+                    <a:pt x="0" y="20"/>
+                  </a:cubicBezTo>
+                  <a:cubicBezTo>
+                    <a:pt x="0" y="9"/>
+                    <a:pt x="9" y="0"/>
+                    <a:pt x="20" y="0"/>
+                  </a:cubicBezTo>
+                  <a:cubicBezTo>
+                    <a:pt x="31" y="0"/>
+                    <a:pt x="40" y="9"/>
+                    <a:pt x="40" y="20"/>
+                  </a:cubicBezTo>
+                  <a:cubicBezTo>
+                    <a:pt x="40" y="31"/>
+                    <a:pt x="31" y="40"/>
+                    <a:pt x="20" y="40"/>
+                  </a:cubicBezTo>
+                  <a:close/>
+                  <a:moveTo>
+                    <a:pt x="20" y="4"/>
+                  </a:moveTo>
+                  <a:cubicBezTo>
+                    <a:pt x="12" y="4"/>
+                    <a:pt x="4" y="11"/>
+                    <a:pt x="4" y="20"/>
+                  </a:cubicBezTo>
+                  <a:cubicBezTo>
+                    <a:pt x="4" y="29"/>
+                    <a:pt x="12" y="36"/>
+                    <a:pt x="20" y="36"/>
+                  </a:cubicBezTo>
+                  <a:cubicBezTo>
+                    <a:pt x="29" y="36"/>
+                    <a:pt x="36" y="29"/>
+                    <a:pt x="36" y="20"/>
+                  </a:cubicBezTo>
+                  <a:cubicBezTo>
+                    <a:pt x="36" y="11"/>
+                    <a:pt x="29" y="4"/>
+                    <a:pt x="20" y="4"/>
+                  </a:cubicBezTo>
+                  <a:close/>
+                </a:path>
+              </a:pathLst>
+            </a:custGeom>
+            <a:grpFill/>
+            <a:ln>
+              <a:noFill/>
+            </a:ln>
+            <a:extLst>
+              <a:ext uri="{91240B29-F687-4f45-9708-019B960494DF}">
+                <a14:hiddenLine xmlns="" xmlns:a16="http://schemas.microsoft.com/office/drawing/2014/main" xmlns:p14="http://schemas.microsoft.com/office/powerpoint/2010/main" xmlns:a14="http://schemas.microsoft.com/office/drawing/2010/main" w="9525">
+                  <a:solidFill>
+                    <a:srgbClr val="000000"/>
+                  </a:solidFill>
+                  <a:round/>
+                  <a:headEnd/>
+                  <a:tailEnd/>
+                </a14:hiddenLine>
+              </a:ext>
+            </a:extLst>
+          </p:spPr>
+        </p:sp>
+        <p:sp>
+          <p:nvSpPr>
+            <p:cNvPr id="44" name="Freeform 30">
+              <a:extLst>
+                <a:ext uri="{FF2B5EF4-FFF2-40B4-BE49-F238E27FC236}">
+                  <a16:creationId xmlns:a16="http://schemas.microsoft.com/office/drawing/2014/main" id="{DB8B1D39-5B9A-4B4E-849B-A5821A246004}"/>
+                </a:ext>
+                <a:ext uri="{C183D7F6-B498-43B3-948B-1728B52AA6E4}">
+                  <adec:decorative xmlns:adec="http://schemas.microsoft.com/office/drawing/2017/decorative" val="1"/>
+                </a:ext>
+              </a:extLst>
+            </p:cNvPr>
+            <p:cNvSpPr/>
+            <p:nvPr>
+              <p:extLst>
+                <p:ext uri="{386F3935-93C4-4BCD-93E2-E3B085C9AB24}">
+                  <p16:designElem xmlns:p16="http://schemas.microsoft.com/office/powerpoint/2015/main" val="1"/>
+                </p:ext>
+              </p:extLst>
+            </p:nvPr>
+          </p:nvSpPr>
+          <p:spPr bwMode="auto">
+            <a:xfrm>
+              <a:off x="669925" y="6330950"/>
+              <a:ext cx="417513" cy="517525"/>
+            </a:xfrm>
+            <a:custGeom>
+              <a:avLst/>
+              <a:gdLst/>
+              <a:ahLst/>
+              <a:cxnLst/>
+              <a:rect l="0" t="0" r="r" b="b"/>
+              <a:pathLst>
+                <a:path w="263" h="326">
+                  <a:moveTo>
+                    <a:pt x="15" y="326"/>
+                  </a:moveTo>
+                  <a:lnTo>
+                    <a:pt x="0" y="320"/>
+                  </a:lnTo>
+                  <a:lnTo>
+                    <a:pt x="45" y="206"/>
+                  </a:lnTo>
+                  <a:lnTo>
+                    <a:pt x="48" y="206"/>
+                  </a:lnTo>
+                  <a:lnTo>
+                    <a:pt x="254" y="0"/>
+                  </a:lnTo>
+                  <a:lnTo>
+                    <a:pt x="263" y="12"/>
+                  </a:lnTo>
+                  <a:lnTo>
+                    <a:pt x="60" y="215"/>
+                  </a:lnTo>
+                  <a:lnTo>
+                    <a:pt x="15" y="326"/>
+                  </a:lnTo>
+                  <a:close/>
+                </a:path>
+              </a:pathLst>
+            </a:custGeom>
+            <a:grpFill/>
+            <a:ln>
+              <a:noFill/>
+            </a:ln>
+            <a:extLst>
+              <a:ext uri="{91240B29-F687-4f45-9708-019B960494DF}">
+                <a14:hiddenLine xmlns="" xmlns:a16="http://schemas.microsoft.com/office/drawing/2014/main" xmlns:p14="http://schemas.microsoft.com/office/powerpoint/2010/main" xmlns:a14="http://schemas.microsoft.com/office/drawing/2010/main" w="9525">
+                  <a:solidFill>
+                    <a:srgbClr val="000000"/>
+                  </a:solidFill>
+                  <a:round/>
+                  <a:headEnd/>
+                  <a:tailEnd/>
+                </a14:hiddenLine>
+              </a:ext>
+            </a:extLst>
+          </p:spPr>
+        </p:sp>
+        <p:sp>
+          <p:nvSpPr>
+            <p:cNvPr id="45" name="Freeform 31">
+              <a:extLst>
+                <a:ext uri="{FF2B5EF4-FFF2-40B4-BE49-F238E27FC236}">
+                  <a16:creationId xmlns:a16="http://schemas.microsoft.com/office/drawing/2014/main" id="{336ECD63-75C2-4A32-A31B-30BB3097240E}"/>
+                </a:ext>
+                <a:ext uri="{C183D7F6-B498-43B3-948B-1728B52AA6E4}">
+                  <adec:decorative xmlns:adec="http://schemas.microsoft.com/office/drawing/2017/decorative" val="1"/>
+                </a:ext>
+              </a:extLst>
+            </p:cNvPr>
+            <p:cNvSpPr>
+              <a:spLocks noEditPoints="1"/>
+            </p:cNvSpPr>
+            <p:nvPr>
+              <p:extLst>
+                <p:ext uri="{386F3935-93C4-4BCD-93E2-E3B085C9AB24}">
+                  <p16:designElem xmlns:p16="http://schemas.microsoft.com/office/powerpoint/2015/main" val="1"/>
+                </p:ext>
+              </p:extLst>
+            </p:nvPr>
+          </p:nvSpPr>
+          <p:spPr bwMode="auto">
+            <a:xfrm>
+              <a:off x="1049337" y="6221413"/>
+              <a:ext cx="157163" cy="147638"/>
+            </a:xfrm>
+            <a:custGeom>
+              <a:avLst/>
+              <a:gdLst/>
+              <a:ahLst/>
+              <a:cxnLst/>
+              <a:rect l="0" t="0" r="r" b="b"/>
+              <a:pathLst>
+                <a:path w="33" h="31">
+                  <a:moveTo>
+                    <a:pt x="16" y="31"/>
+                  </a:moveTo>
+                  <a:cubicBezTo>
+                    <a:pt x="12" y="31"/>
+                    <a:pt x="8" y="29"/>
+                    <a:pt x="5" y="26"/>
+                  </a:cubicBezTo>
+                  <a:cubicBezTo>
+                    <a:pt x="2" y="24"/>
+                    <a:pt x="0" y="20"/>
+                    <a:pt x="0" y="15"/>
+                  </a:cubicBezTo>
+                  <a:cubicBezTo>
+                    <a:pt x="0" y="11"/>
+                    <a:pt x="2" y="7"/>
+                    <a:pt x="5" y="4"/>
+                  </a:cubicBezTo>
+                  <a:cubicBezTo>
+                    <a:pt x="8" y="1"/>
+                    <a:pt x="12" y="0"/>
+                    <a:pt x="16" y="0"/>
+                  </a:cubicBezTo>
+                  <a:cubicBezTo>
+                    <a:pt x="20" y="0"/>
+                    <a:pt x="24" y="1"/>
+                    <a:pt x="27" y="4"/>
+                  </a:cubicBezTo>
+                  <a:cubicBezTo>
+                    <a:pt x="33" y="10"/>
+                    <a:pt x="33" y="20"/>
+                    <a:pt x="27" y="26"/>
+                  </a:cubicBezTo>
+                  <a:cubicBezTo>
+                    <a:pt x="24" y="29"/>
+                    <a:pt x="20" y="31"/>
+                    <a:pt x="16" y="31"/>
+                  </a:cubicBezTo>
+                  <a:close/>
+                  <a:moveTo>
+                    <a:pt x="16" y="4"/>
+                  </a:moveTo>
+                  <a:cubicBezTo>
+                    <a:pt x="13" y="4"/>
+                    <a:pt x="10" y="5"/>
+                    <a:pt x="8" y="7"/>
+                  </a:cubicBezTo>
+                  <a:cubicBezTo>
+                    <a:pt x="6" y="9"/>
+                    <a:pt x="4" y="12"/>
+                    <a:pt x="4" y="15"/>
+                  </a:cubicBezTo>
+                  <a:cubicBezTo>
+                    <a:pt x="4" y="19"/>
+                    <a:pt x="6" y="21"/>
+                    <a:pt x="8" y="24"/>
+                  </a:cubicBezTo>
+                  <a:cubicBezTo>
+                    <a:pt x="10" y="26"/>
+                    <a:pt x="13" y="27"/>
+                    <a:pt x="16" y="27"/>
+                  </a:cubicBezTo>
+                  <a:cubicBezTo>
+                    <a:pt x="19" y="27"/>
+                    <a:pt x="22" y="26"/>
+                    <a:pt x="24" y="24"/>
+                  </a:cubicBezTo>
+                  <a:cubicBezTo>
+                    <a:pt x="29" y="19"/>
+                    <a:pt x="29" y="12"/>
+                    <a:pt x="24" y="7"/>
+                  </a:cubicBezTo>
+                  <a:cubicBezTo>
+                    <a:pt x="22" y="5"/>
+                    <a:pt x="19" y="4"/>
+                    <a:pt x="16" y="4"/>
+                  </a:cubicBezTo>
+                  <a:close/>
+                </a:path>
+              </a:pathLst>
+            </a:custGeom>
+            <a:grpFill/>
+            <a:ln>
+              <a:noFill/>
+            </a:ln>
+            <a:extLst>
+              <a:ext uri="{91240B29-F687-4f45-9708-019B960494DF}">
+                <a14:hiddenLine xmlns="" xmlns:a16="http://schemas.microsoft.com/office/drawing/2014/main" xmlns:p14="http://schemas.microsoft.com/office/powerpoint/2010/main" xmlns:a14="http://schemas.microsoft.com/office/drawing/2010/main" w="9525">
+                  <a:solidFill>
+                    <a:srgbClr val="000000"/>
+                  </a:solidFill>
+                  <a:round/>
+                  <a:headEnd/>
+                  <a:tailEnd/>
+                </a14:hiddenLine>
+              </a:ext>
+            </a:extLst>
+          </p:spPr>
+        </p:sp>
+      </p:grpSp>
+      <p:pic>
+        <p:nvPicPr>
+          <p:cNvPr id="5" name="Picture 4" descr="A picture containing indoor, sky, small, top&#10;&#10;Description automatically generated">
+            <a:extLst>
+              <a:ext uri="{FF2B5EF4-FFF2-40B4-BE49-F238E27FC236}">
+                <a16:creationId xmlns:a16="http://schemas.microsoft.com/office/drawing/2014/main" id="{65473121-89B2-4F0C-A306-5735EEB4AD4A}"/>
+              </a:ext>
+            </a:extLst>
+          </p:cNvPr>
+          <p:cNvPicPr>
+            <a:picLocks noChangeAspect="1"/>
+          </p:cNvPicPr>
+          <p:nvPr/>
+        </p:nvPicPr>
+        <p:blipFill>
+          <a:blip r:embed="rId5">
+            <a:extLst>
+              <a:ext uri="{28A0092B-C50C-407E-A947-70E740481C1C}">
+                <a14:useLocalDpi xmlns:a14="http://schemas.microsoft.com/office/drawing/2010/main" val="0"/>
+              </a:ext>
+            </a:extLst>
+          </a:blip>
+          <a:stretch>
+            <a:fillRect/>
+          </a:stretch>
+        </p:blipFill>
+        <p:spPr>
+          <a:xfrm>
+            <a:off x="4711778" y="1416310"/>
+            <a:ext cx="6844045" cy="4020876"/>
+          </a:xfrm>
+          <a:prstGeom prst="rect">
+            <a:avLst/>
+          </a:prstGeom>
+        </p:spPr>
+      </p:pic>
     </p:spTree>
     <p:extLst>
       <p:ext uri="{BB962C8B-B14F-4D97-AF65-F5344CB8AC3E}">
@@ -12848,7 +15812,7 @@
     </p:extLst>
   </p:cSld>
   <p:clrMapOvr>
-    <a:masterClrMapping/>
+    <a:overrideClrMapping bg1="lt1" tx1="dk1" bg2="lt2" tx2="dk2" accent1="accent1" accent2="accent2" accent3="accent3" accent4="accent4" accent5="accent5" accent6="accent6" hlink="hlink" folHlink="folHlink"/>
   </p:clrMapOvr>
 </p:sld>
 </file>
